--- a/『最終発表用資料　各人』/まとめ/説明書.pptx
+++ b/『最終発表用資料　各人』/まとめ/説明書.pptx
@@ -5,7 +5,7 @@
     <p:sldMasterId id="2147483648" r:id="rId1"/>
   </p:sldMasterIdLst>
   <p:sldIdLst>
-    <p:sldId id="257" r:id="rId2"/>
+    <p:sldId id="258" r:id="rId2"/>
   </p:sldIdLst>
   <p:sldSz cx="9906000" cy="6858000" type="A4"/>
   <p:notesSz cx="6858000" cy="9144000"/>
@@ -105,6 +105,2971 @@
     </a:lvl9pPr>
   </p:defaultTextStyle>
 </p:presentation>
+</file>
+
+<file path=ppt/diagrams/colors1.xml><?xml version="1.0" encoding="utf-8"?>
+<dgm:colorsDef xmlns:dgm="http://schemas.openxmlformats.org/drawingml/2006/diagram" xmlns:a="http://schemas.openxmlformats.org/drawingml/2006/main" uniqueId="urn:microsoft.com/office/officeart/2005/8/colors/accent1_2">
+  <dgm:title val=""/>
+  <dgm:desc val=""/>
+  <dgm:catLst>
+    <dgm:cat type="accent1" pri="11200"/>
+  </dgm:catLst>
+  <dgm:styleLbl name="node0">
+    <dgm:fillClrLst meth="repeat">
+      <a:schemeClr val="accent1"/>
+    </dgm:fillClrLst>
+    <dgm:linClrLst meth="repeat">
+      <a:schemeClr val="lt1"/>
+    </dgm:linClrLst>
+    <dgm:effectClrLst/>
+    <dgm:txLinClrLst/>
+    <dgm:txFillClrLst/>
+    <dgm:txEffectClrLst/>
+  </dgm:styleLbl>
+  <dgm:styleLbl name="alignNode1">
+    <dgm:fillClrLst meth="repeat">
+      <a:schemeClr val="accent1"/>
+    </dgm:fillClrLst>
+    <dgm:linClrLst meth="repeat">
+      <a:schemeClr val="accent1"/>
+    </dgm:linClrLst>
+    <dgm:effectClrLst/>
+    <dgm:txLinClrLst/>
+    <dgm:txFillClrLst/>
+    <dgm:txEffectClrLst/>
+  </dgm:styleLbl>
+  <dgm:styleLbl name="node1">
+    <dgm:fillClrLst meth="repeat">
+      <a:schemeClr val="accent1"/>
+    </dgm:fillClrLst>
+    <dgm:linClrLst meth="repeat">
+      <a:schemeClr val="lt1"/>
+    </dgm:linClrLst>
+    <dgm:effectClrLst/>
+    <dgm:txLinClrLst/>
+    <dgm:txFillClrLst/>
+    <dgm:txEffectClrLst/>
+  </dgm:styleLbl>
+  <dgm:styleLbl name="lnNode1">
+    <dgm:fillClrLst meth="repeat">
+      <a:schemeClr val="accent1"/>
+    </dgm:fillClrLst>
+    <dgm:linClrLst meth="repeat">
+      <a:schemeClr val="lt1"/>
+    </dgm:linClrLst>
+    <dgm:effectClrLst/>
+    <dgm:txLinClrLst/>
+    <dgm:txFillClrLst/>
+    <dgm:txEffectClrLst/>
+  </dgm:styleLbl>
+  <dgm:styleLbl name="vennNode1">
+    <dgm:fillClrLst meth="repeat">
+      <a:schemeClr val="accent1">
+        <a:alpha val="50000"/>
+      </a:schemeClr>
+    </dgm:fillClrLst>
+    <dgm:linClrLst meth="repeat">
+      <a:schemeClr val="lt1"/>
+    </dgm:linClrLst>
+    <dgm:effectClrLst/>
+    <dgm:txLinClrLst/>
+    <dgm:txFillClrLst/>
+    <dgm:txEffectClrLst/>
+  </dgm:styleLbl>
+  <dgm:styleLbl name="node2">
+    <dgm:fillClrLst meth="repeat">
+      <a:schemeClr val="accent1"/>
+    </dgm:fillClrLst>
+    <dgm:linClrLst meth="repeat">
+      <a:schemeClr val="lt1"/>
+    </dgm:linClrLst>
+    <dgm:effectClrLst/>
+    <dgm:txLinClrLst/>
+    <dgm:txFillClrLst/>
+    <dgm:txEffectClrLst/>
+  </dgm:styleLbl>
+  <dgm:styleLbl name="node3">
+    <dgm:fillClrLst meth="repeat">
+      <a:schemeClr val="accent1"/>
+    </dgm:fillClrLst>
+    <dgm:linClrLst meth="repeat">
+      <a:schemeClr val="lt1"/>
+    </dgm:linClrLst>
+    <dgm:effectClrLst/>
+    <dgm:txLinClrLst/>
+    <dgm:txFillClrLst/>
+    <dgm:txEffectClrLst/>
+  </dgm:styleLbl>
+  <dgm:styleLbl name="node4">
+    <dgm:fillClrLst meth="repeat">
+      <a:schemeClr val="accent1"/>
+    </dgm:fillClrLst>
+    <dgm:linClrLst meth="repeat">
+      <a:schemeClr val="lt1"/>
+    </dgm:linClrLst>
+    <dgm:effectClrLst/>
+    <dgm:txLinClrLst/>
+    <dgm:txFillClrLst/>
+    <dgm:txEffectClrLst/>
+  </dgm:styleLbl>
+  <dgm:styleLbl name="fgImgPlace1">
+    <dgm:fillClrLst meth="repeat">
+      <a:schemeClr val="accent1">
+        <a:tint val="50000"/>
+      </a:schemeClr>
+    </dgm:fillClrLst>
+    <dgm:linClrLst meth="repeat">
+      <a:schemeClr val="lt1"/>
+    </dgm:linClrLst>
+    <dgm:effectClrLst/>
+    <dgm:txLinClrLst/>
+    <dgm:txFillClrLst meth="repeat">
+      <a:schemeClr val="lt1"/>
+    </dgm:txFillClrLst>
+    <dgm:txEffectClrLst/>
+  </dgm:styleLbl>
+  <dgm:styleLbl name="alignImgPlace1">
+    <dgm:fillClrLst meth="repeat">
+      <a:schemeClr val="accent1">
+        <a:tint val="50000"/>
+      </a:schemeClr>
+    </dgm:fillClrLst>
+    <dgm:linClrLst meth="repeat">
+      <a:schemeClr val="lt1"/>
+    </dgm:linClrLst>
+    <dgm:effectClrLst/>
+    <dgm:txLinClrLst/>
+    <dgm:txFillClrLst meth="repeat">
+      <a:schemeClr val="lt1"/>
+    </dgm:txFillClrLst>
+    <dgm:txEffectClrLst/>
+  </dgm:styleLbl>
+  <dgm:styleLbl name="bgImgPlace1">
+    <dgm:fillClrLst meth="repeat">
+      <a:schemeClr val="accent1">
+        <a:tint val="50000"/>
+      </a:schemeClr>
+    </dgm:fillClrLst>
+    <dgm:linClrLst meth="repeat">
+      <a:schemeClr val="lt1"/>
+    </dgm:linClrLst>
+    <dgm:effectClrLst/>
+    <dgm:txLinClrLst/>
+    <dgm:txFillClrLst meth="repeat">
+      <a:schemeClr val="lt1"/>
+    </dgm:txFillClrLst>
+    <dgm:txEffectClrLst/>
+  </dgm:styleLbl>
+  <dgm:styleLbl name="sibTrans2D1">
+    <dgm:fillClrLst meth="repeat">
+      <a:schemeClr val="accent1">
+        <a:tint val="60000"/>
+      </a:schemeClr>
+    </dgm:fillClrLst>
+    <dgm:linClrLst meth="repeat">
+      <a:schemeClr val="accent1">
+        <a:tint val="60000"/>
+      </a:schemeClr>
+    </dgm:linClrLst>
+    <dgm:effectClrLst/>
+    <dgm:txLinClrLst/>
+    <dgm:txFillClrLst/>
+    <dgm:txEffectClrLst/>
+  </dgm:styleLbl>
+  <dgm:styleLbl name="fgSibTrans2D1">
+    <dgm:fillClrLst meth="repeat">
+      <a:schemeClr val="accent1">
+        <a:tint val="60000"/>
+      </a:schemeClr>
+    </dgm:fillClrLst>
+    <dgm:linClrLst meth="repeat">
+      <a:schemeClr val="accent1">
+        <a:tint val="60000"/>
+      </a:schemeClr>
+    </dgm:linClrLst>
+    <dgm:effectClrLst/>
+    <dgm:txLinClrLst/>
+    <dgm:txFillClrLst/>
+    <dgm:txEffectClrLst/>
+  </dgm:styleLbl>
+  <dgm:styleLbl name="bgSibTrans2D1">
+    <dgm:fillClrLst meth="repeat">
+      <a:schemeClr val="accent1">
+        <a:tint val="60000"/>
+      </a:schemeClr>
+    </dgm:fillClrLst>
+    <dgm:linClrLst meth="repeat">
+      <a:schemeClr val="accent1">
+        <a:tint val="60000"/>
+      </a:schemeClr>
+    </dgm:linClrLst>
+    <dgm:effectClrLst/>
+    <dgm:txLinClrLst/>
+    <dgm:txFillClrLst/>
+    <dgm:txEffectClrLst/>
+  </dgm:styleLbl>
+  <dgm:styleLbl name="sibTrans1D1">
+    <dgm:fillClrLst meth="repeat">
+      <a:schemeClr val="accent1"/>
+    </dgm:fillClrLst>
+    <dgm:linClrLst meth="repeat">
+      <a:schemeClr val="accent1"/>
+    </dgm:linClrLst>
+    <dgm:effectClrLst/>
+    <dgm:txLinClrLst/>
+    <dgm:txFillClrLst meth="repeat">
+      <a:schemeClr val="tx1"/>
+    </dgm:txFillClrLst>
+    <dgm:txEffectClrLst/>
+  </dgm:styleLbl>
+  <dgm:styleLbl name="callout">
+    <dgm:fillClrLst meth="repeat">
+      <a:schemeClr val="accent1"/>
+    </dgm:fillClrLst>
+    <dgm:linClrLst meth="repeat">
+      <a:schemeClr val="accent1">
+        <a:tint val="50000"/>
+      </a:schemeClr>
+    </dgm:linClrLst>
+    <dgm:effectClrLst/>
+    <dgm:txLinClrLst/>
+    <dgm:txFillClrLst meth="repeat">
+      <a:schemeClr val="tx1"/>
+    </dgm:txFillClrLst>
+    <dgm:txEffectClrLst/>
+  </dgm:styleLbl>
+  <dgm:styleLbl name="asst0">
+    <dgm:fillClrLst meth="repeat">
+      <a:schemeClr val="accent1"/>
+    </dgm:fillClrLst>
+    <dgm:linClrLst meth="repeat">
+      <a:schemeClr val="lt1"/>
+    </dgm:linClrLst>
+    <dgm:effectClrLst/>
+    <dgm:txLinClrLst/>
+    <dgm:txFillClrLst/>
+    <dgm:txEffectClrLst/>
+  </dgm:styleLbl>
+  <dgm:styleLbl name="asst1">
+    <dgm:fillClrLst meth="repeat">
+      <a:schemeClr val="accent1"/>
+    </dgm:fillClrLst>
+    <dgm:linClrLst meth="repeat">
+      <a:schemeClr val="lt1"/>
+    </dgm:linClrLst>
+    <dgm:effectClrLst/>
+    <dgm:txLinClrLst/>
+    <dgm:txFillClrLst/>
+    <dgm:txEffectClrLst/>
+  </dgm:styleLbl>
+  <dgm:styleLbl name="asst2">
+    <dgm:fillClrLst meth="repeat">
+      <a:schemeClr val="accent1"/>
+    </dgm:fillClrLst>
+    <dgm:linClrLst meth="repeat">
+      <a:schemeClr val="lt1"/>
+    </dgm:linClrLst>
+    <dgm:effectClrLst/>
+    <dgm:txLinClrLst/>
+    <dgm:txFillClrLst/>
+    <dgm:txEffectClrLst/>
+  </dgm:styleLbl>
+  <dgm:styleLbl name="asst3">
+    <dgm:fillClrLst meth="repeat">
+      <a:schemeClr val="accent1"/>
+    </dgm:fillClrLst>
+    <dgm:linClrLst meth="repeat">
+      <a:schemeClr val="lt1"/>
+    </dgm:linClrLst>
+    <dgm:effectClrLst/>
+    <dgm:txLinClrLst/>
+    <dgm:txFillClrLst/>
+    <dgm:txEffectClrLst/>
+  </dgm:styleLbl>
+  <dgm:styleLbl name="asst4">
+    <dgm:fillClrLst meth="repeat">
+      <a:schemeClr val="accent1"/>
+    </dgm:fillClrLst>
+    <dgm:linClrLst meth="repeat">
+      <a:schemeClr val="lt1"/>
+    </dgm:linClrLst>
+    <dgm:effectClrLst/>
+    <dgm:txLinClrLst/>
+    <dgm:txFillClrLst/>
+    <dgm:txEffectClrLst/>
+  </dgm:styleLbl>
+  <dgm:styleLbl name="parChTrans2D1">
+    <dgm:fillClrLst meth="repeat">
+      <a:schemeClr val="accent1">
+        <a:tint val="60000"/>
+      </a:schemeClr>
+    </dgm:fillClrLst>
+    <dgm:linClrLst meth="repeat">
+      <a:schemeClr val="accent1">
+        <a:tint val="60000"/>
+      </a:schemeClr>
+    </dgm:linClrLst>
+    <dgm:effectClrLst/>
+    <dgm:txLinClrLst/>
+    <dgm:txFillClrLst meth="repeat">
+      <a:schemeClr val="lt1"/>
+    </dgm:txFillClrLst>
+    <dgm:txEffectClrLst/>
+  </dgm:styleLbl>
+  <dgm:styleLbl name="parChTrans2D2">
+    <dgm:fillClrLst meth="repeat">
+      <a:schemeClr val="accent1"/>
+    </dgm:fillClrLst>
+    <dgm:linClrLst meth="repeat">
+      <a:schemeClr val="accent1"/>
+    </dgm:linClrLst>
+    <dgm:effectClrLst/>
+    <dgm:txLinClrLst/>
+    <dgm:txFillClrLst meth="repeat">
+      <a:schemeClr val="lt1"/>
+    </dgm:txFillClrLst>
+    <dgm:txEffectClrLst/>
+  </dgm:styleLbl>
+  <dgm:styleLbl name="parChTrans2D3">
+    <dgm:fillClrLst meth="repeat">
+      <a:schemeClr val="accent1"/>
+    </dgm:fillClrLst>
+    <dgm:linClrLst meth="repeat">
+      <a:schemeClr val="accent1"/>
+    </dgm:linClrLst>
+    <dgm:effectClrLst/>
+    <dgm:txLinClrLst/>
+    <dgm:txFillClrLst meth="repeat">
+      <a:schemeClr val="lt1"/>
+    </dgm:txFillClrLst>
+    <dgm:txEffectClrLst/>
+  </dgm:styleLbl>
+  <dgm:styleLbl name="parChTrans2D4">
+    <dgm:fillClrLst meth="repeat">
+      <a:schemeClr val="accent1"/>
+    </dgm:fillClrLst>
+    <dgm:linClrLst meth="repeat">
+      <a:schemeClr val="accent1"/>
+    </dgm:linClrLst>
+    <dgm:effectClrLst/>
+    <dgm:txLinClrLst/>
+    <dgm:txFillClrLst meth="repeat">
+      <a:schemeClr val="lt1"/>
+    </dgm:txFillClrLst>
+    <dgm:txEffectClrLst/>
+  </dgm:styleLbl>
+  <dgm:styleLbl name="parChTrans1D1">
+    <dgm:fillClrLst meth="repeat">
+      <a:schemeClr val="accent1"/>
+    </dgm:fillClrLst>
+    <dgm:linClrLst meth="repeat">
+      <a:schemeClr val="accent1">
+        <a:shade val="60000"/>
+      </a:schemeClr>
+    </dgm:linClrLst>
+    <dgm:effectClrLst/>
+    <dgm:txLinClrLst/>
+    <dgm:txFillClrLst meth="repeat">
+      <a:schemeClr val="tx1"/>
+    </dgm:txFillClrLst>
+    <dgm:txEffectClrLst/>
+  </dgm:styleLbl>
+  <dgm:styleLbl name="parChTrans1D2">
+    <dgm:fillClrLst meth="repeat">
+      <a:schemeClr val="accent1"/>
+    </dgm:fillClrLst>
+    <dgm:linClrLst meth="repeat">
+      <a:schemeClr val="accent1">
+        <a:shade val="60000"/>
+      </a:schemeClr>
+    </dgm:linClrLst>
+    <dgm:effectClrLst/>
+    <dgm:txLinClrLst/>
+    <dgm:txFillClrLst meth="repeat">
+      <a:schemeClr val="tx1"/>
+    </dgm:txFillClrLst>
+    <dgm:txEffectClrLst/>
+  </dgm:styleLbl>
+  <dgm:styleLbl name="parChTrans1D3">
+    <dgm:fillClrLst meth="repeat">
+      <a:schemeClr val="accent1"/>
+    </dgm:fillClrLst>
+    <dgm:linClrLst meth="repeat">
+      <a:schemeClr val="accent1">
+        <a:shade val="80000"/>
+      </a:schemeClr>
+    </dgm:linClrLst>
+    <dgm:effectClrLst/>
+    <dgm:txLinClrLst/>
+    <dgm:txFillClrLst meth="repeat">
+      <a:schemeClr val="tx1"/>
+    </dgm:txFillClrLst>
+    <dgm:txEffectClrLst/>
+  </dgm:styleLbl>
+  <dgm:styleLbl name="parChTrans1D4">
+    <dgm:fillClrLst meth="repeat">
+      <a:schemeClr val="accent1"/>
+    </dgm:fillClrLst>
+    <dgm:linClrLst meth="repeat">
+      <a:schemeClr val="accent1">
+        <a:shade val="80000"/>
+      </a:schemeClr>
+    </dgm:linClrLst>
+    <dgm:effectClrLst/>
+    <dgm:txLinClrLst/>
+    <dgm:txFillClrLst meth="repeat">
+      <a:schemeClr val="tx1"/>
+    </dgm:txFillClrLst>
+    <dgm:txEffectClrLst/>
+  </dgm:styleLbl>
+  <dgm:styleLbl name="fgAcc1">
+    <dgm:fillClrLst meth="repeat">
+      <a:schemeClr val="lt1">
+        <a:alpha val="90000"/>
+      </a:schemeClr>
+    </dgm:fillClrLst>
+    <dgm:linClrLst meth="repeat">
+      <a:schemeClr val="accent1"/>
+    </dgm:linClrLst>
+    <dgm:effectClrLst/>
+    <dgm:txLinClrLst/>
+    <dgm:txFillClrLst meth="repeat">
+      <a:schemeClr val="dk1"/>
+    </dgm:txFillClrLst>
+    <dgm:txEffectClrLst/>
+  </dgm:styleLbl>
+  <dgm:styleLbl name="conFgAcc1">
+    <dgm:fillClrLst meth="repeat">
+      <a:schemeClr val="lt1">
+        <a:alpha val="90000"/>
+      </a:schemeClr>
+    </dgm:fillClrLst>
+    <dgm:linClrLst meth="repeat">
+      <a:schemeClr val="accent1"/>
+    </dgm:linClrLst>
+    <dgm:effectClrLst/>
+    <dgm:txLinClrLst/>
+    <dgm:txFillClrLst meth="repeat">
+      <a:schemeClr val="dk1"/>
+    </dgm:txFillClrLst>
+    <dgm:txEffectClrLst/>
+  </dgm:styleLbl>
+  <dgm:styleLbl name="alignAcc1">
+    <dgm:fillClrLst meth="repeat">
+      <a:schemeClr val="lt1">
+        <a:alpha val="90000"/>
+      </a:schemeClr>
+    </dgm:fillClrLst>
+    <dgm:linClrLst meth="repeat">
+      <a:schemeClr val="accent1"/>
+    </dgm:linClrLst>
+    <dgm:effectClrLst/>
+    <dgm:txLinClrLst/>
+    <dgm:txFillClrLst meth="repeat">
+      <a:schemeClr val="dk1"/>
+    </dgm:txFillClrLst>
+    <dgm:txEffectClrLst/>
+  </dgm:styleLbl>
+  <dgm:styleLbl name="trAlignAcc1">
+    <dgm:fillClrLst meth="repeat">
+      <a:schemeClr val="lt1">
+        <a:alpha val="40000"/>
+      </a:schemeClr>
+    </dgm:fillClrLst>
+    <dgm:linClrLst meth="repeat">
+      <a:schemeClr val="accent1"/>
+    </dgm:linClrLst>
+    <dgm:effectClrLst/>
+    <dgm:txLinClrLst/>
+    <dgm:txFillClrLst meth="repeat">
+      <a:schemeClr val="dk1"/>
+    </dgm:txFillClrLst>
+    <dgm:txEffectClrLst/>
+  </dgm:styleLbl>
+  <dgm:styleLbl name="bgAcc1">
+    <dgm:fillClrLst meth="repeat">
+      <a:schemeClr val="lt1">
+        <a:alpha val="90000"/>
+      </a:schemeClr>
+    </dgm:fillClrLst>
+    <dgm:linClrLst meth="repeat">
+      <a:schemeClr val="accent1"/>
+    </dgm:linClrLst>
+    <dgm:effectClrLst/>
+    <dgm:txLinClrLst/>
+    <dgm:txFillClrLst meth="repeat">
+      <a:schemeClr val="dk1"/>
+    </dgm:txFillClrLst>
+    <dgm:txEffectClrLst/>
+  </dgm:styleLbl>
+  <dgm:styleLbl name="solidFgAcc1">
+    <dgm:fillClrLst meth="repeat">
+      <a:schemeClr val="lt1"/>
+    </dgm:fillClrLst>
+    <dgm:linClrLst meth="repeat">
+      <a:schemeClr val="accent1"/>
+    </dgm:linClrLst>
+    <dgm:effectClrLst/>
+    <dgm:txLinClrLst/>
+    <dgm:txFillClrLst meth="repeat">
+      <a:schemeClr val="dk1"/>
+    </dgm:txFillClrLst>
+    <dgm:txEffectClrLst/>
+  </dgm:styleLbl>
+  <dgm:styleLbl name="solidAlignAcc1">
+    <dgm:fillClrLst meth="repeat">
+      <a:schemeClr val="lt1"/>
+    </dgm:fillClrLst>
+    <dgm:linClrLst meth="repeat">
+      <a:schemeClr val="accent1"/>
+    </dgm:linClrLst>
+    <dgm:effectClrLst/>
+    <dgm:txLinClrLst/>
+    <dgm:txFillClrLst meth="repeat">
+      <a:schemeClr val="dk1"/>
+    </dgm:txFillClrLst>
+    <dgm:txEffectClrLst/>
+  </dgm:styleLbl>
+  <dgm:styleLbl name="solidBgAcc1">
+    <dgm:fillClrLst meth="repeat">
+      <a:schemeClr val="lt1"/>
+    </dgm:fillClrLst>
+    <dgm:linClrLst meth="repeat">
+      <a:schemeClr val="accent1"/>
+    </dgm:linClrLst>
+    <dgm:effectClrLst/>
+    <dgm:txLinClrLst/>
+    <dgm:txFillClrLst meth="repeat">
+      <a:schemeClr val="dk1"/>
+    </dgm:txFillClrLst>
+    <dgm:txEffectClrLst/>
+  </dgm:styleLbl>
+  <dgm:styleLbl name="fgAccFollowNode1">
+    <dgm:fillClrLst meth="repeat">
+      <a:schemeClr val="accent1">
+        <a:alpha val="90000"/>
+        <a:tint val="40000"/>
+      </a:schemeClr>
+    </dgm:fillClrLst>
+    <dgm:linClrLst meth="repeat">
+      <a:schemeClr val="accent1">
+        <a:alpha val="90000"/>
+        <a:tint val="40000"/>
+      </a:schemeClr>
+    </dgm:linClrLst>
+    <dgm:effectClrLst/>
+    <dgm:txLinClrLst/>
+    <dgm:txFillClrLst meth="repeat">
+      <a:schemeClr val="dk1"/>
+    </dgm:txFillClrLst>
+    <dgm:txEffectClrLst/>
+  </dgm:styleLbl>
+  <dgm:styleLbl name="alignAccFollowNode1">
+    <dgm:fillClrLst meth="repeat">
+      <a:schemeClr val="accent1">
+        <a:alpha val="90000"/>
+        <a:tint val="40000"/>
+      </a:schemeClr>
+    </dgm:fillClrLst>
+    <dgm:linClrLst meth="repeat">
+      <a:schemeClr val="accent1">
+        <a:alpha val="90000"/>
+        <a:tint val="40000"/>
+      </a:schemeClr>
+    </dgm:linClrLst>
+    <dgm:effectClrLst/>
+    <dgm:txLinClrLst/>
+    <dgm:txFillClrLst meth="repeat">
+      <a:schemeClr val="dk1"/>
+    </dgm:txFillClrLst>
+    <dgm:txEffectClrLst/>
+  </dgm:styleLbl>
+  <dgm:styleLbl name="bgAccFollowNode1">
+    <dgm:fillClrLst meth="repeat">
+      <a:schemeClr val="accent1">
+        <a:alpha val="90000"/>
+        <a:tint val="40000"/>
+      </a:schemeClr>
+    </dgm:fillClrLst>
+    <dgm:linClrLst meth="repeat">
+      <a:schemeClr val="accent1">
+        <a:alpha val="90000"/>
+        <a:tint val="40000"/>
+      </a:schemeClr>
+    </dgm:linClrLst>
+    <dgm:effectClrLst/>
+    <dgm:txLinClrLst/>
+    <dgm:txFillClrLst meth="repeat">
+      <a:schemeClr val="dk1"/>
+    </dgm:txFillClrLst>
+    <dgm:txEffectClrLst/>
+  </dgm:styleLbl>
+  <dgm:styleLbl name="fgAcc0">
+    <dgm:fillClrLst meth="repeat">
+      <a:schemeClr val="lt1">
+        <a:alpha val="90000"/>
+      </a:schemeClr>
+    </dgm:fillClrLst>
+    <dgm:linClrLst meth="repeat">
+      <a:schemeClr val="accent1"/>
+    </dgm:linClrLst>
+    <dgm:effectClrLst/>
+    <dgm:txLinClrLst/>
+    <dgm:txFillClrLst meth="repeat">
+      <a:schemeClr val="dk1"/>
+    </dgm:txFillClrLst>
+    <dgm:txEffectClrLst/>
+  </dgm:styleLbl>
+  <dgm:styleLbl name="fgAcc2">
+    <dgm:fillClrLst meth="repeat">
+      <a:schemeClr val="lt1">
+        <a:alpha val="90000"/>
+      </a:schemeClr>
+    </dgm:fillClrLst>
+    <dgm:linClrLst meth="repeat">
+      <a:schemeClr val="accent1"/>
+    </dgm:linClrLst>
+    <dgm:effectClrLst/>
+    <dgm:txLinClrLst/>
+    <dgm:txFillClrLst meth="repeat">
+      <a:schemeClr val="dk1"/>
+    </dgm:txFillClrLst>
+    <dgm:txEffectClrLst/>
+  </dgm:styleLbl>
+  <dgm:styleLbl name="fgAcc3">
+    <dgm:fillClrLst meth="repeat">
+      <a:schemeClr val="lt1">
+        <a:alpha val="90000"/>
+      </a:schemeClr>
+    </dgm:fillClrLst>
+    <dgm:linClrLst meth="repeat">
+      <a:schemeClr val="accent1"/>
+    </dgm:linClrLst>
+    <dgm:effectClrLst/>
+    <dgm:txLinClrLst/>
+    <dgm:txFillClrLst meth="repeat">
+      <a:schemeClr val="dk1"/>
+    </dgm:txFillClrLst>
+    <dgm:txEffectClrLst/>
+  </dgm:styleLbl>
+  <dgm:styleLbl name="fgAcc4">
+    <dgm:fillClrLst meth="repeat">
+      <a:schemeClr val="lt1">
+        <a:alpha val="90000"/>
+      </a:schemeClr>
+    </dgm:fillClrLst>
+    <dgm:linClrLst meth="repeat">
+      <a:schemeClr val="accent1"/>
+    </dgm:linClrLst>
+    <dgm:effectClrLst/>
+    <dgm:txLinClrLst/>
+    <dgm:txFillClrLst meth="repeat">
+      <a:schemeClr val="dk1"/>
+    </dgm:txFillClrLst>
+    <dgm:txEffectClrLst/>
+  </dgm:styleLbl>
+  <dgm:styleLbl name="bgShp">
+    <dgm:fillClrLst meth="repeat">
+      <a:schemeClr val="accent1">
+        <a:tint val="40000"/>
+      </a:schemeClr>
+    </dgm:fillClrLst>
+    <dgm:linClrLst meth="repeat">
+      <a:schemeClr val="accent1"/>
+    </dgm:linClrLst>
+    <dgm:effectClrLst/>
+    <dgm:txLinClrLst/>
+    <dgm:txFillClrLst meth="repeat">
+      <a:schemeClr val="dk1"/>
+    </dgm:txFillClrLst>
+    <dgm:txEffectClrLst/>
+  </dgm:styleLbl>
+  <dgm:styleLbl name="dkBgShp">
+    <dgm:fillClrLst meth="repeat">
+      <a:schemeClr val="accent1">
+        <a:shade val="80000"/>
+      </a:schemeClr>
+    </dgm:fillClrLst>
+    <dgm:linClrLst meth="repeat">
+      <a:schemeClr val="accent1"/>
+    </dgm:linClrLst>
+    <dgm:effectClrLst/>
+    <dgm:txLinClrLst/>
+    <dgm:txFillClrLst meth="repeat">
+      <a:schemeClr val="lt1"/>
+    </dgm:txFillClrLst>
+    <dgm:txEffectClrLst/>
+  </dgm:styleLbl>
+  <dgm:styleLbl name="trBgShp">
+    <dgm:fillClrLst meth="repeat">
+      <a:schemeClr val="accent1">
+        <a:tint val="50000"/>
+        <a:alpha val="40000"/>
+      </a:schemeClr>
+    </dgm:fillClrLst>
+    <dgm:linClrLst meth="repeat">
+      <a:schemeClr val="accent1"/>
+    </dgm:linClrLst>
+    <dgm:effectClrLst/>
+    <dgm:txLinClrLst/>
+    <dgm:txFillClrLst meth="repeat">
+      <a:schemeClr val="lt1"/>
+    </dgm:txFillClrLst>
+    <dgm:txEffectClrLst/>
+  </dgm:styleLbl>
+  <dgm:styleLbl name="fgShp">
+    <dgm:fillClrLst meth="repeat">
+      <a:schemeClr val="accent1">
+        <a:tint val="60000"/>
+      </a:schemeClr>
+    </dgm:fillClrLst>
+    <dgm:linClrLst meth="repeat">
+      <a:schemeClr val="lt1"/>
+    </dgm:linClrLst>
+    <dgm:effectClrLst/>
+    <dgm:txLinClrLst/>
+    <dgm:txFillClrLst meth="repeat">
+      <a:schemeClr val="dk1"/>
+    </dgm:txFillClrLst>
+    <dgm:txEffectClrLst/>
+  </dgm:styleLbl>
+  <dgm:styleLbl name="revTx">
+    <dgm:fillClrLst meth="repeat">
+      <a:schemeClr val="lt1">
+        <a:alpha val="0"/>
+      </a:schemeClr>
+    </dgm:fillClrLst>
+    <dgm:linClrLst meth="repeat">
+      <a:schemeClr val="dk1">
+        <a:alpha val="0"/>
+      </a:schemeClr>
+    </dgm:linClrLst>
+    <dgm:effectClrLst/>
+    <dgm:txLinClrLst/>
+    <dgm:txFillClrLst meth="repeat">
+      <a:schemeClr val="tx1"/>
+    </dgm:txFillClrLst>
+    <dgm:txEffectClrLst/>
+  </dgm:styleLbl>
+</dgm:colorsDef>
+</file>
+
+<file path=ppt/diagrams/data1.xml><?xml version="1.0" encoding="utf-8"?>
+<dgm:dataModel xmlns:dgm="http://schemas.openxmlformats.org/drawingml/2006/diagram" xmlns:a="http://schemas.openxmlformats.org/drawingml/2006/main">
+  <dgm:ptLst>
+    <dgm:pt modelId="{803E64A3-4BFD-4B60-8002-D664EEB936DB}" type="doc">
+      <dgm:prSet loTypeId="urn:microsoft.com/office/officeart/2005/8/layout/hList1" loCatId="list" qsTypeId="urn:microsoft.com/office/officeart/2005/8/quickstyle/simple1" qsCatId="simple" csTypeId="urn:microsoft.com/office/officeart/2005/8/colors/accent1_2" csCatId="accent1" phldr="1"/>
+      <dgm:spPr/>
+      <dgm:t>
+        <a:bodyPr/>
+        <a:lstStyle/>
+        <a:p>
+          <a:endParaRPr kumimoji="1" lang="ja-JP" altLang="en-US"/>
+        </a:p>
+      </dgm:t>
+    </dgm:pt>
+    <dgm:pt modelId="{630AACC9-A2F2-4F29-B5DC-7521413C1EC5}">
+      <dgm:prSet phldrT="[テキスト]" custT="1"/>
+      <dgm:spPr>
+        <a:ln>
+          <a:solidFill>
+            <a:schemeClr val="tx1"/>
+          </a:solidFill>
+        </a:ln>
+      </dgm:spPr>
+      <dgm:t>
+        <a:bodyPr/>
+        <a:lstStyle/>
+        <a:p>
+          <a:r>
+            <a:rPr kumimoji="1" lang="ja-JP" altLang="en-US" sz="2800" b="1" dirty="0" smtClean="0"/>
+            <a:t>①仮想パッド</a:t>
+          </a:r>
+          <a:endParaRPr kumimoji="1" lang="ja-JP" altLang="en-US" sz="2800" b="1" dirty="0"/>
+        </a:p>
+      </dgm:t>
+    </dgm:pt>
+    <dgm:pt modelId="{FF1D4831-B486-4537-82F1-C33D022034C8}" type="parTrans" cxnId="{5E8EA27C-D043-4352-9040-9D7D39B81414}">
+      <dgm:prSet/>
+      <dgm:spPr/>
+      <dgm:t>
+        <a:bodyPr/>
+        <a:lstStyle/>
+        <a:p>
+          <a:endParaRPr kumimoji="1" lang="ja-JP" altLang="en-US"/>
+        </a:p>
+      </dgm:t>
+    </dgm:pt>
+    <dgm:pt modelId="{9C492B70-651A-40C3-8690-2ECE26B4D9D8}" type="sibTrans" cxnId="{5E8EA27C-D043-4352-9040-9D7D39B81414}">
+      <dgm:prSet/>
+      <dgm:spPr/>
+      <dgm:t>
+        <a:bodyPr/>
+        <a:lstStyle/>
+        <a:p>
+          <a:endParaRPr kumimoji="1" lang="ja-JP" altLang="en-US"/>
+        </a:p>
+      </dgm:t>
+    </dgm:pt>
+    <dgm:pt modelId="{73363E4F-2131-42DD-8D2A-1053BEBAEFF2}">
+      <dgm:prSet phldrT="[テキスト]" custT="1"/>
+      <dgm:spPr>
+        <a:ln>
+          <a:solidFill>
+            <a:schemeClr val="tx1">
+              <a:alpha val="90000"/>
+            </a:schemeClr>
+          </a:solidFill>
+        </a:ln>
+      </dgm:spPr>
+      <dgm:t>
+        <a:bodyPr/>
+        <a:lstStyle/>
+        <a:p>
+          <a:r>
+            <a:rPr kumimoji="1" lang="ja-JP" altLang="en-US" sz="2000" dirty="0" smtClean="0"/>
+            <a:t>自機の移動</a:t>
+          </a:r>
+          <a:endParaRPr kumimoji="1" lang="ja-JP" altLang="en-US" sz="2000" dirty="0"/>
+        </a:p>
+      </dgm:t>
+    </dgm:pt>
+    <dgm:pt modelId="{02F54635-411C-4629-9DC1-E5D5E6AF3FF3}" type="parTrans" cxnId="{6944272E-066F-4909-9280-86D18631F02E}">
+      <dgm:prSet/>
+      <dgm:spPr/>
+      <dgm:t>
+        <a:bodyPr/>
+        <a:lstStyle/>
+        <a:p>
+          <a:endParaRPr kumimoji="1" lang="ja-JP" altLang="en-US"/>
+        </a:p>
+      </dgm:t>
+    </dgm:pt>
+    <dgm:pt modelId="{09D7DBBB-7355-4282-BB01-9E669D6D8818}" type="sibTrans" cxnId="{6944272E-066F-4909-9280-86D18631F02E}">
+      <dgm:prSet/>
+      <dgm:spPr/>
+      <dgm:t>
+        <a:bodyPr/>
+        <a:lstStyle/>
+        <a:p>
+          <a:endParaRPr kumimoji="1" lang="ja-JP" altLang="en-US"/>
+        </a:p>
+      </dgm:t>
+    </dgm:pt>
+    <dgm:pt modelId="{4859D877-3812-4463-B233-1921A3386621}">
+      <dgm:prSet phldrT="[テキスト]" custT="1"/>
+      <dgm:spPr>
+        <a:ln>
+          <a:solidFill>
+            <a:schemeClr val="tx1"/>
+          </a:solidFill>
+        </a:ln>
+      </dgm:spPr>
+      <dgm:t>
+        <a:bodyPr/>
+        <a:lstStyle/>
+        <a:p>
+          <a:r>
+            <a:rPr kumimoji="1" lang="ja-JP" altLang="en-US" sz="2800" b="1" dirty="0" smtClean="0"/>
+            <a:t>②スキルボタン</a:t>
+          </a:r>
+          <a:endParaRPr kumimoji="1" lang="ja-JP" altLang="en-US" sz="2800" b="1" dirty="0"/>
+        </a:p>
+      </dgm:t>
+    </dgm:pt>
+    <dgm:pt modelId="{0C026E84-6178-46C9-9102-3A0695E45E9C}" type="parTrans" cxnId="{9CDA2631-30ED-44BC-A587-F7FCD5153F7C}">
+      <dgm:prSet/>
+      <dgm:spPr/>
+      <dgm:t>
+        <a:bodyPr/>
+        <a:lstStyle/>
+        <a:p>
+          <a:endParaRPr kumimoji="1" lang="ja-JP" altLang="en-US"/>
+        </a:p>
+      </dgm:t>
+    </dgm:pt>
+    <dgm:pt modelId="{9F343736-B1C2-4B25-BE89-3FC1882687A3}" type="sibTrans" cxnId="{9CDA2631-30ED-44BC-A587-F7FCD5153F7C}">
+      <dgm:prSet/>
+      <dgm:spPr/>
+      <dgm:t>
+        <a:bodyPr/>
+        <a:lstStyle/>
+        <a:p>
+          <a:endParaRPr kumimoji="1" lang="ja-JP" altLang="en-US"/>
+        </a:p>
+      </dgm:t>
+    </dgm:pt>
+    <dgm:pt modelId="{BA7F300D-C1D8-4064-A0EB-28A81E7C7354}">
+      <dgm:prSet phldrT="[テキスト]" custT="1"/>
+      <dgm:spPr>
+        <a:ln>
+          <a:solidFill>
+            <a:schemeClr val="tx1">
+              <a:alpha val="90000"/>
+            </a:schemeClr>
+          </a:solidFill>
+        </a:ln>
+      </dgm:spPr>
+      <dgm:t>
+        <a:bodyPr/>
+        <a:lstStyle/>
+        <a:p>
+          <a:r>
+            <a:rPr kumimoji="1" lang="ja-JP" altLang="en-US" sz="2000" dirty="0" smtClean="0"/>
+            <a:t>タッチでスキル発動</a:t>
+          </a:r>
+          <a:endParaRPr kumimoji="1" lang="ja-JP" altLang="en-US" sz="2000" dirty="0"/>
+        </a:p>
+      </dgm:t>
+    </dgm:pt>
+    <dgm:pt modelId="{02318BB6-D56B-4914-8032-83B1E32529CC}" type="parTrans" cxnId="{BB0F7E80-87AD-4B1A-8E57-21E59A5F5F62}">
+      <dgm:prSet/>
+      <dgm:spPr/>
+      <dgm:t>
+        <a:bodyPr/>
+        <a:lstStyle/>
+        <a:p>
+          <a:endParaRPr kumimoji="1" lang="ja-JP" altLang="en-US"/>
+        </a:p>
+      </dgm:t>
+    </dgm:pt>
+    <dgm:pt modelId="{93B57AB5-4307-465E-BE9D-133BC98A64C5}" type="sibTrans" cxnId="{BB0F7E80-87AD-4B1A-8E57-21E59A5F5F62}">
+      <dgm:prSet/>
+      <dgm:spPr/>
+      <dgm:t>
+        <a:bodyPr/>
+        <a:lstStyle/>
+        <a:p>
+          <a:endParaRPr kumimoji="1" lang="ja-JP" altLang="en-US"/>
+        </a:p>
+      </dgm:t>
+    </dgm:pt>
+    <dgm:pt modelId="{56287E23-DE84-4871-9570-5C99C97DBAC0}">
+      <dgm:prSet phldrT="[テキスト]" custT="1"/>
+      <dgm:spPr>
+        <a:ln>
+          <a:solidFill>
+            <a:schemeClr val="tx1">
+              <a:alpha val="90000"/>
+            </a:schemeClr>
+          </a:solidFill>
+        </a:ln>
+      </dgm:spPr>
+      <dgm:t>
+        <a:bodyPr/>
+        <a:lstStyle/>
+        <a:p>
+          <a:r>
+            <a:rPr kumimoji="1" lang="ja-JP" altLang="en-US" sz="2000" dirty="0" smtClean="0"/>
+            <a:t>クールタイム後再発可能</a:t>
+          </a:r>
+          <a:endParaRPr kumimoji="1" lang="ja-JP" altLang="en-US" sz="2000" dirty="0"/>
+        </a:p>
+      </dgm:t>
+    </dgm:pt>
+    <dgm:pt modelId="{AA0D90AD-136B-40F7-9086-845380B92A50}" type="parTrans" cxnId="{54E923C5-FE62-4E5E-8CCD-57F29CD3B720}">
+      <dgm:prSet/>
+      <dgm:spPr/>
+      <dgm:t>
+        <a:bodyPr/>
+        <a:lstStyle/>
+        <a:p>
+          <a:endParaRPr kumimoji="1" lang="ja-JP" altLang="en-US"/>
+        </a:p>
+      </dgm:t>
+    </dgm:pt>
+    <dgm:pt modelId="{1C291E09-8E2E-4CDF-8CAD-318E9A139587}" type="sibTrans" cxnId="{54E923C5-FE62-4E5E-8CCD-57F29CD3B720}">
+      <dgm:prSet/>
+      <dgm:spPr/>
+      <dgm:t>
+        <a:bodyPr/>
+        <a:lstStyle/>
+        <a:p>
+          <a:endParaRPr kumimoji="1" lang="ja-JP" altLang="en-US"/>
+        </a:p>
+      </dgm:t>
+    </dgm:pt>
+    <dgm:pt modelId="{57BC8C94-5D91-46AF-A246-E5E119B375C2}">
+      <dgm:prSet phldrT="[テキスト]" custT="1"/>
+      <dgm:spPr>
+        <a:ln>
+          <a:solidFill>
+            <a:schemeClr val="tx1"/>
+          </a:solidFill>
+        </a:ln>
+      </dgm:spPr>
+      <dgm:t>
+        <a:bodyPr/>
+        <a:lstStyle/>
+        <a:p>
+          <a:r>
+            <a:rPr kumimoji="1" lang="ja-JP" altLang="en-US" sz="2800" b="1" dirty="0" smtClean="0"/>
+            <a:t>③矢印</a:t>
+          </a:r>
+          <a:endParaRPr kumimoji="1" lang="ja-JP" altLang="en-US" sz="2800" b="1" dirty="0"/>
+        </a:p>
+      </dgm:t>
+    </dgm:pt>
+    <dgm:pt modelId="{D0E2D3AF-3D18-4BBF-B056-C11FF8E326A0}" type="parTrans" cxnId="{14982696-9E4D-46BB-A9F9-FEB0FE012C32}">
+      <dgm:prSet/>
+      <dgm:spPr/>
+      <dgm:t>
+        <a:bodyPr/>
+        <a:lstStyle/>
+        <a:p>
+          <a:endParaRPr kumimoji="1" lang="ja-JP" altLang="en-US"/>
+        </a:p>
+      </dgm:t>
+    </dgm:pt>
+    <dgm:pt modelId="{75DC9B4E-A46A-4B5E-BCC8-FCC3F66E6304}" type="sibTrans" cxnId="{14982696-9E4D-46BB-A9F9-FEB0FE012C32}">
+      <dgm:prSet/>
+      <dgm:spPr/>
+      <dgm:t>
+        <a:bodyPr/>
+        <a:lstStyle/>
+        <a:p>
+          <a:endParaRPr kumimoji="1" lang="ja-JP" altLang="en-US"/>
+        </a:p>
+      </dgm:t>
+    </dgm:pt>
+    <dgm:pt modelId="{8C66DFAD-9987-4E71-B8A8-887495DCA29D}">
+      <dgm:prSet phldrT="[テキスト]" custT="1"/>
+      <dgm:spPr>
+        <a:ln>
+          <a:solidFill>
+            <a:schemeClr val="tx1">
+              <a:alpha val="90000"/>
+            </a:schemeClr>
+          </a:solidFill>
+        </a:ln>
+      </dgm:spPr>
+      <dgm:t>
+        <a:bodyPr/>
+        <a:lstStyle/>
+        <a:p>
+          <a:r>
+            <a:rPr kumimoji="1" lang="ja-JP" altLang="en-US" sz="2000" dirty="0" smtClean="0"/>
+            <a:t>ボスの居る方向を示す</a:t>
+          </a:r>
+          <a:endParaRPr kumimoji="1" lang="ja-JP" altLang="en-US" sz="2000" dirty="0"/>
+        </a:p>
+      </dgm:t>
+    </dgm:pt>
+    <dgm:pt modelId="{10864463-9CC3-4504-AD24-6C2D59DDE0CE}" type="parTrans" cxnId="{4335B672-7A59-4C14-9435-681F7D21A12B}">
+      <dgm:prSet/>
+      <dgm:spPr/>
+      <dgm:t>
+        <a:bodyPr/>
+        <a:lstStyle/>
+        <a:p>
+          <a:endParaRPr kumimoji="1" lang="ja-JP" altLang="en-US"/>
+        </a:p>
+      </dgm:t>
+    </dgm:pt>
+    <dgm:pt modelId="{636E9275-6914-4630-839B-A7E177702E00}" type="sibTrans" cxnId="{4335B672-7A59-4C14-9435-681F7D21A12B}">
+      <dgm:prSet/>
+      <dgm:spPr/>
+      <dgm:t>
+        <a:bodyPr/>
+        <a:lstStyle/>
+        <a:p>
+          <a:endParaRPr kumimoji="1" lang="ja-JP" altLang="en-US"/>
+        </a:p>
+      </dgm:t>
+    </dgm:pt>
+    <dgm:pt modelId="{0E184382-4FDA-47CF-BC1D-65F3C181616F}" type="pres">
+      <dgm:prSet presAssocID="{803E64A3-4BFD-4B60-8002-D664EEB936DB}" presName="Name0" presStyleCnt="0">
+        <dgm:presLayoutVars>
+          <dgm:dir/>
+          <dgm:animLvl val="lvl"/>
+          <dgm:resizeHandles val="exact"/>
+        </dgm:presLayoutVars>
+      </dgm:prSet>
+      <dgm:spPr/>
+      <dgm:t>
+        <a:bodyPr/>
+        <a:lstStyle/>
+        <a:p>
+          <a:endParaRPr kumimoji="1" lang="ja-JP" altLang="en-US"/>
+        </a:p>
+      </dgm:t>
+    </dgm:pt>
+    <dgm:pt modelId="{6DF3DEAE-2E49-4A40-9A22-A67C39560F33}" type="pres">
+      <dgm:prSet presAssocID="{630AACC9-A2F2-4F29-B5DC-7521413C1EC5}" presName="composite" presStyleCnt="0"/>
+      <dgm:spPr/>
+    </dgm:pt>
+    <dgm:pt modelId="{D4E009D2-E441-4A3E-8E3D-A1FB49A282F4}" type="pres">
+      <dgm:prSet presAssocID="{630AACC9-A2F2-4F29-B5DC-7521413C1EC5}" presName="parTx" presStyleLbl="alignNode1" presStyleIdx="0" presStyleCnt="3">
+        <dgm:presLayoutVars>
+          <dgm:chMax val="0"/>
+          <dgm:chPref val="0"/>
+          <dgm:bulletEnabled val="1"/>
+        </dgm:presLayoutVars>
+      </dgm:prSet>
+      <dgm:spPr/>
+      <dgm:t>
+        <a:bodyPr/>
+        <a:lstStyle/>
+        <a:p>
+          <a:endParaRPr kumimoji="1" lang="ja-JP" altLang="en-US"/>
+        </a:p>
+      </dgm:t>
+    </dgm:pt>
+    <dgm:pt modelId="{5D1381A1-37BC-4423-8EB1-2D8BB6608E68}" type="pres">
+      <dgm:prSet presAssocID="{630AACC9-A2F2-4F29-B5DC-7521413C1EC5}" presName="desTx" presStyleLbl="alignAccFollowNode1" presStyleIdx="0" presStyleCnt="3">
+        <dgm:presLayoutVars>
+          <dgm:bulletEnabled val="1"/>
+        </dgm:presLayoutVars>
+      </dgm:prSet>
+      <dgm:spPr/>
+      <dgm:t>
+        <a:bodyPr/>
+        <a:lstStyle/>
+        <a:p>
+          <a:endParaRPr kumimoji="1" lang="ja-JP" altLang="en-US"/>
+        </a:p>
+      </dgm:t>
+    </dgm:pt>
+    <dgm:pt modelId="{67A9F79A-3CB5-420E-9018-72CCBEC59D09}" type="pres">
+      <dgm:prSet presAssocID="{9C492B70-651A-40C3-8690-2ECE26B4D9D8}" presName="space" presStyleCnt="0"/>
+      <dgm:spPr/>
+    </dgm:pt>
+    <dgm:pt modelId="{773C9F7A-F9E4-44EC-95B5-F340FE8475C4}" type="pres">
+      <dgm:prSet presAssocID="{4859D877-3812-4463-B233-1921A3386621}" presName="composite" presStyleCnt="0"/>
+      <dgm:spPr/>
+    </dgm:pt>
+    <dgm:pt modelId="{B37A1543-2AA9-4EB5-8860-E8ADD0EC40EE}" type="pres">
+      <dgm:prSet presAssocID="{4859D877-3812-4463-B233-1921A3386621}" presName="parTx" presStyleLbl="alignNode1" presStyleIdx="1" presStyleCnt="3" custScaleX="112003" custScaleY="100000">
+        <dgm:presLayoutVars>
+          <dgm:chMax val="0"/>
+          <dgm:chPref val="0"/>
+          <dgm:bulletEnabled val="1"/>
+        </dgm:presLayoutVars>
+      </dgm:prSet>
+      <dgm:spPr/>
+      <dgm:t>
+        <a:bodyPr/>
+        <a:lstStyle/>
+        <a:p>
+          <a:endParaRPr kumimoji="1" lang="ja-JP" altLang="en-US"/>
+        </a:p>
+      </dgm:t>
+    </dgm:pt>
+    <dgm:pt modelId="{D696E469-B4D3-4E8D-BF9C-7B5EAFB6DBD7}" type="pres">
+      <dgm:prSet presAssocID="{4859D877-3812-4463-B233-1921A3386621}" presName="desTx" presStyleLbl="alignAccFollowNode1" presStyleIdx="1" presStyleCnt="3" custScaleX="112003" custScaleY="98905">
+        <dgm:presLayoutVars>
+          <dgm:bulletEnabled val="1"/>
+        </dgm:presLayoutVars>
+      </dgm:prSet>
+      <dgm:spPr/>
+      <dgm:t>
+        <a:bodyPr/>
+        <a:lstStyle/>
+        <a:p>
+          <a:endParaRPr kumimoji="1" lang="ja-JP" altLang="en-US"/>
+        </a:p>
+      </dgm:t>
+    </dgm:pt>
+    <dgm:pt modelId="{6D9B4E85-65EA-42A7-B99F-E021D03E0717}" type="pres">
+      <dgm:prSet presAssocID="{9F343736-B1C2-4B25-BE89-3FC1882687A3}" presName="space" presStyleCnt="0"/>
+      <dgm:spPr/>
+    </dgm:pt>
+    <dgm:pt modelId="{8C7666DE-272F-4FFB-A264-924C61A2D06D}" type="pres">
+      <dgm:prSet presAssocID="{57BC8C94-5D91-46AF-A246-E5E119B375C2}" presName="composite" presStyleCnt="0"/>
+      <dgm:spPr/>
+    </dgm:pt>
+    <dgm:pt modelId="{7BE5BF35-28BB-42CF-9BA1-01D3B6CFA5C8}" type="pres">
+      <dgm:prSet presAssocID="{57BC8C94-5D91-46AF-A246-E5E119B375C2}" presName="parTx" presStyleLbl="alignNode1" presStyleIdx="2" presStyleCnt="3">
+        <dgm:presLayoutVars>
+          <dgm:chMax val="0"/>
+          <dgm:chPref val="0"/>
+          <dgm:bulletEnabled val="1"/>
+        </dgm:presLayoutVars>
+      </dgm:prSet>
+      <dgm:spPr/>
+      <dgm:t>
+        <a:bodyPr/>
+        <a:lstStyle/>
+        <a:p>
+          <a:endParaRPr kumimoji="1" lang="ja-JP" altLang="en-US"/>
+        </a:p>
+      </dgm:t>
+    </dgm:pt>
+    <dgm:pt modelId="{EA0B6686-BA98-41A6-B1FA-AC4BC4C909D3}" type="pres">
+      <dgm:prSet presAssocID="{57BC8C94-5D91-46AF-A246-E5E119B375C2}" presName="desTx" presStyleLbl="alignAccFollowNode1" presStyleIdx="2" presStyleCnt="3">
+        <dgm:presLayoutVars>
+          <dgm:bulletEnabled val="1"/>
+        </dgm:presLayoutVars>
+      </dgm:prSet>
+      <dgm:spPr/>
+      <dgm:t>
+        <a:bodyPr/>
+        <a:lstStyle/>
+        <a:p>
+          <a:endParaRPr kumimoji="1" lang="ja-JP" altLang="en-US"/>
+        </a:p>
+      </dgm:t>
+    </dgm:pt>
+  </dgm:ptLst>
+  <dgm:cxnLst>
+    <dgm:cxn modelId="{54E923C5-FE62-4E5E-8CCD-57F29CD3B720}" srcId="{4859D877-3812-4463-B233-1921A3386621}" destId="{56287E23-DE84-4871-9570-5C99C97DBAC0}" srcOrd="1" destOrd="0" parTransId="{AA0D90AD-136B-40F7-9086-845380B92A50}" sibTransId="{1C291E09-8E2E-4CDF-8CAD-318E9A139587}"/>
+    <dgm:cxn modelId="{A79AD141-900C-4D68-8524-73E3DDC9AD0A}" type="presOf" srcId="{803E64A3-4BFD-4B60-8002-D664EEB936DB}" destId="{0E184382-4FDA-47CF-BC1D-65F3C181616F}" srcOrd="0" destOrd="0" presId="urn:microsoft.com/office/officeart/2005/8/layout/hList1"/>
+    <dgm:cxn modelId="{6944272E-066F-4909-9280-86D18631F02E}" srcId="{630AACC9-A2F2-4F29-B5DC-7521413C1EC5}" destId="{73363E4F-2131-42DD-8D2A-1053BEBAEFF2}" srcOrd="0" destOrd="0" parTransId="{02F54635-411C-4629-9DC1-E5D5E6AF3FF3}" sibTransId="{09D7DBBB-7355-4282-BB01-9E669D6D8818}"/>
+    <dgm:cxn modelId="{D9CEE1CC-8776-4247-AAE4-894D3ABB0EE6}" type="presOf" srcId="{73363E4F-2131-42DD-8D2A-1053BEBAEFF2}" destId="{5D1381A1-37BC-4423-8EB1-2D8BB6608E68}" srcOrd="0" destOrd="0" presId="urn:microsoft.com/office/officeart/2005/8/layout/hList1"/>
+    <dgm:cxn modelId="{5E8EA27C-D043-4352-9040-9D7D39B81414}" srcId="{803E64A3-4BFD-4B60-8002-D664EEB936DB}" destId="{630AACC9-A2F2-4F29-B5DC-7521413C1EC5}" srcOrd="0" destOrd="0" parTransId="{FF1D4831-B486-4537-82F1-C33D022034C8}" sibTransId="{9C492B70-651A-40C3-8690-2ECE26B4D9D8}"/>
+    <dgm:cxn modelId="{14982696-9E4D-46BB-A9F9-FEB0FE012C32}" srcId="{803E64A3-4BFD-4B60-8002-D664EEB936DB}" destId="{57BC8C94-5D91-46AF-A246-E5E119B375C2}" srcOrd="2" destOrd="0" parTransId="{D0E2D3AF-3D18-4BBF-B056-C11FF8E326A0}" sibTransId="{75DC9B4E-A46A-4B5E-BCC8-FCC3F66E6304}"/>
+    <dgm:cxn modelId="{50BF58E7-11D1-4D63-9526-90C184C41118}" type="presOf" srcId="{630AACC9-A2F2-4F29-B5DC-7521413C1EC5}" destId="{D4E009D2-E441-4A3E-8E3D-A1FB49A282F4}" srcOrd="0" destOrd="0" presId="urn:microsoft.com/office/officeart/2005/8/layout/hList1"/>
+    <dgm:cxn modelId="{2A4FA4B9-128A-4238-B5EF-DF0C22A2AFAE}" type="presOf" srcId="{57BC8C94-5D91-46AF-A246-E5E119B375C2}" destId="{7BE5BF35-28BB-42CF-9BA1-01D3B6CFA5C8}" srcOrd="0" destOrd="0" presId="urn:microsoft.com/office/officeart/2005/8/layout/hList1"/>
+    <dgm:cxn modelId="{193F5DC3-133B-4001-BE34-369B2B9E9688}" type="presOf" srcId="{BA7F300D-C1D8-4064-A0EB-28A81E7C7354}" destId="{D696E469-B4D3-4E8D-BF9C-7B5EAFB6DBD7}" srcOrd="0" destOrd="0" presId="urn:microsoft.com/office/officeart/2005/8/layout/hList1"/>
+    <dgm:cxn modelId="{9CDA2631-30ED-44BC-A587-F7FCD5153F7C}" srcId="{803E64A3-4BFD-4B60-8002-D664EEB936DB}" destId="{4859D877-3812-4463-B233-1921A3386621}" srcOrd="1" destOrd="0" parTransId="{0C026E84-6178-46C9-9102-3A0695E45E9C}" sibTransId="{9F343736-B1C2-4B25-BE89-3FC1882687A3}"/>
+    <dgm:cxn modelId="{018CBC17-1B5C-4780-8AAC-D4EA8488C67C}" type="presOf" srcId="{8C66DFAD-9987-4E71-B8A8-887495DCA29D}" destId="{EA0B6686-BA98-41A6-B1FA-AC4BC4C909D3}" srcOrd="0" destOrd="0" presId="urn:microsoft.com/office/officeart/2005/8/layout/hList1"/>
+    <dgm:cxn modelId="{4335B672-7A59-4C14-9435-681F7D21A12B}" srcId="{57BC8C94-5D91-46AF-A246-E5E119B375C2}" destId="{8C66DFAD-9987-4E71-B8A8-887495DCA29D}" srcOrd="0" destOrd="0" parTransId="{10864463-9CC3-4504-AD24-6C2D59DDE0CE}" sibTransId="{636E9275-6914-4630-839B-A7E177702E00}"/>
+    <dgm:cxn modelId="{BF4B2BB6-1AAF-450D-9A0C-F25C9AAD2F8D}" type="presOf" srcId="{4859D877-3812-4463-B233-1921A3386621}" destId="{B37A1543-2AA9-4EB5-8860-E8ADD0EC40EE}" srcOrd="0" destOrd="0" presId="urn:microsoft.com/office/officeart/2005/8/layout/hList1"/>
+    <dgm:cxn modelId="{CE2FD6F0-4880-4206-871E-9D5ABA4EF0E4}" type="presOf" srcId="{56287E23-DE84-4871-9570-5C99C97DBAC0}" destId="{D696E469-B4D3-4E8D-BF9C-7B5EAFB6DBD7}" srcOrd="0" destOrd="1" presId="urn:microsoft.com/office/officeart/2005/8/layout/hList1"/>
+    <dgm:cxn modelId="{BB0F7E80-87AD-4B1A-8E57-21E59A5F5F62}" srcId="{4859D877-3812-4463-B233-1921A3386621}" destId="{BA7F300D-C1D8-4064-A0EB-28A81E7C7354}" srcOrd="0" destOrd="0" parTransId="{02318BB6-D56B-4914-8032-83B1E32529CC}" sibTransId="{93B57AB5-4307-465E-BE9D-133BC98A64C5}"/>
+    <dgm:cxn modelId="{4508890A-0721-49E1-9424-8D4022D79349}" type="presParOf" srcId="{0E184382-4FDA-47CF-BC1D-65F3C181616F}" destId="{6DF3DEAE-2E49-4A40-9A22-A67C39560F33}" srcOrd="0" destOrd="0" presId="urn:microsoft.com/office/officeart/2005/8/layout/hList1"/>
+    <dgm:cxn modelId="{4EC745BD-0677-4EA3-8DF2-E668E5DB462E}" type="presParOf" srcId="{6DF3DEAE-2E49-4A40-9A22-A67C39560F33}" destId="{D4E009D2-E441-4A3E-8E3D-A1FB49A282F4}" srcOrd="0" destOrd="0" presId="urn:microsoft.com/office/officeart/2005/8/layout/hList1"/>
+    <dgm:cxn modelId="{19DE8846-F1B2-4574-9BB7-F104A25678AF}" type="presParOf" srcId="{6DF3DEAE-2E49-4A40-9A22-A67C39560F33}" destId="{5D1381A1-37BC-4423-8EB1-2D8BB6608E68}" srcOrd="1" destOrd="0" presId="urn:microsoft.com/office/officeart/2005/8/layout/hList1"/>
+    <dgm:cxn modelId="{354C678D-F36F-4540-A72F-44230F3782F4}" type="presParOf" srcId="{0E184382-4FDA-47CF-BC1D-65F3C181616F}" destId="{67A9F79A-3CB5-420E-9018-72CCBEC59D09}" srcOrd="1" destOrd="0" presId="urn:microsoft.com/office/officeart/2005/8/layout/hList1"/>
+    <dgm:cxn modelId="{A947F320-B3EF-4076-9EED-2DDDC81B280C}" type="presParOf" srcId="{0E184382-4FDA-47CF-BC1D-65F3C181616F}" destId="{773C9F7A-F9E4-44EC-95B5-F340FE8475C4}" srcOrd="2" destOrd="0" presId="urn:microsoft.com/office/officeart/2005/8/layout/hList1"/>
+    <dgm:cxn modelId="{2D0BB6C9-0775-4C8C-ADDC-839F9449D4F9}" type="presParOf" srcId="{773C9F7A-F9E4-44EC-95B5-F340FE8475C4}" destId="{B37A1543-2AA9-4EB5-8860-E8ADD0EC40EE}" srcOrd="0" destOrd="0" presId="urn:microsoft.com/office/officeart/2005/8/layout/hList1"/>
+    <dgm:cxn modelId="{3A10BE78-7D38-43A7-9F82-09A57D27A05D}" type="presParOf" srcId="{773C9F7A-F9E4-44EC-95B5-F340FE8475C4}" destId="{D696E469-B4D3-4E8D-BF9C-7B5EAFB6DBD7}" srcOrd="1" destOrd="0" presId="urn:microsoft.com/office/officeart/2005/8/layout/hList1"/>
+    <dgm:cxn modelId="{66BEC480-ACBA-4A3B-947A-21627938CBA8}" type="presParOf" srcId="{0E184382-4FDA-47CF-BC1D-65F3C181616F}" destId="{6D9B4E85-65EA-42A7-B99F-E021D03E0717}" srcOrd="3" destOrd="0" presId="urn:microsoft.com/office/officeart/2005/8/layout/hList1"/>
+    <dgm:cxn modelId="{E429ACD1-CF17-468B-B8F2-B1C21B604AB7}" type="presParOf" srcId="{0E184382-4FDA-47CF-BC1D-65F3C181616F}" destId="{8C7666DE-272F-4FFB-A264-924C61A2D06D}" srcOrd="4" destOrd="0" presId="urn:microsoft.com/office/officeart/2005/8/layout/hList1"/>
+    <dgm:cxn modelId="{831A97F9-6242-4592-A315-08C0DE9A808F}" type="presParOf" srcId="{8C7666DE-272F-4FFB-A264-924C61A2D06D}" destId="{7BE5BF35-28BB-42CF-9BA1-01D3B6CFA5C8}" srcOrd="0" destOrd="0" presId="urn:microsoft.com/office/officeart/2005/8/layout/hList1"/>
+    <dgm:cxn modelId="{F0E13DB8-DA9D-43CD-AACE-CF774AEBAC50}" type="presParOf" srcId="{8C7666DE-272F-4FFB-A264-924C61A2D06D}" destId="{EA0B6686-BA98-41A6-B1FA-AC4BC4C909D3}" srcOrd="1" destOrd="0" presId="urn:microsoft.com/office/officeart/2005/8/layout/hList1"/>
+  </dgm:cxnLst>
+  <dgm:bg/>
+  <dgm:whole/>
+  <dgm:extLst>
+    <a:ext uri="http://schemas.microsoft.com/office/drawing/2008/diagram">
+      <dsp:dataModelExt xmlns:dsp="http://schemas.microsoft.com/office/drawing/2008/diagram" relId="rId6" minVer="http://schemas.openxmlformats.org/drawingml/2006/diagram"/>
+    </a:ext>
+  </dgm:extLst>
+</dgm:dataModel>
+</file>
+
+<file path=ppt/diagrams/drawing1.xml><?xml version="1.0" encoding="utf-8"?>
+<dsp:drawing xmlns:dgm="http://schemas.openxmlformats.org/drawingml/2006/diagram" xmlns:dsp="http://schemas.microsoft.com/office/drawing/2008/diagram" xmlns:a="http://schemas.openxmlformats.org/drawingml/2006/main">
+  <dsp:spTree>
+    <dsp:nvGrpSpPr>
+      <dsp:cNvPr id="0" name=""/>
+      <dsp:cNvGrpSpPr/>
+    </dsp:nvGrpSpPr>
+    <dsp:grpSpPr/>
+    <dsp:sp modelId="{D4E009D2-E441-4A3E-8E3D-A1FB49A282F4}">
+      <dsp:nvSpPr>
+        <dsp:cNvPr id="0" name=""/>
+        <dsp:cNvSpPr/>
+      </dsp:nvSpPr>
+      <dsp:spPr>
+        <a:xfrm>
+          <a:off x="10647" y="1734"/>
+          <a:ext cx="2830762" cy="670213"/>
+        </a:xfrm>
+        <a:prstGeom prst="rect">
+          <a:avLst/>
+        </a:prstGeom>
+        <a:solidFill>
+          <a:schemeClr val="accent1">
+            <a:hueOff val="0"/>
+            <a:satOff val="0"/>
+            <a:lumOff val="0"/>
+            <a:alphaOff val="0"/>
+          </a:schemeClr>
+        </a:solidFill>
+        <a:ln w="25400" cap="flat" cmpd="sng" algn="ctr">
+          <a:solidFill>
+            <a:schemeClr val="tx1"/>
+          </a:solidFill>
+          <a:prstDash val="solid"/>
+        </a:ln>
+        <a:effectLst/>
+      </dsp:spPr>
+      <dsp:style>
+        <a:lnRef idx="2">
+          <a:scrgbClr r="0" g="0" b="0"/>
+        </a:lnRef>
+        <a:fillRef idx="1">
+          <a:scrgbClr r="0" g="0" b="0"/>
+        </a:fillRef>
+        <a:effectRef idx="0">
+          <a:scrgbClr r="0" g="0" b="0"/>
+        </a:effectRef>
+        <a:fontRef idx="minor">
+          <a:schemeClr val="lt1"/>
+        </a:fontRef>
+      </dsp:style>
+      <dsp:txBody>
+        <a:bodyPr spcFirstLastPara="0" vert="horz" wrap="square" lIns="199136" tIns="113792" rIns="199136" bIns="113792" numCol="1" spcCol="1270" anchor="ctr" anchorCtr="0">
+          <a:noAutofit/>
+        </a:bodyPr>
+        <a:lstStyle/>
+        <a:p>
+          <a:pPr lvl="0" algn="ctr" defTabSz="1244600">
+            <a:lnSpc>
+              <a:spcPct val="90000"/>
+            </a:lnSpc>
+            <a:spcBef>
+              <a:spcPct val="0"/>
+            </a:spcBef>
+            <a:spcAft>
+              <a:spcPct val="35000"/>
+            </a:spcAft>
+          </a:pPr>
+          <a:r>
+            <a:rPr kumimoji="1" lang="ja-JP" altLang="en-US" sz="2800" b="1" kern="1200" dirty="0" smtClean="0"/>
+            <a:t>①仮想パッド</a:t>
+          </a:r>
+          <a:endParaRPr kumimoji="1" lang="ja-JP" altLang="en-US" sz="2800" b="1" kern="1200" dirty="0"/>
+        </a:p>
+      </dsp:txBody>
+      <dsp:txXfrm>
+        <a:off x="10647" y="1734"/>
+        <a:ext cx="2830762" cy="670213"/>
+      </dsp:txXfrm>
+    </dsp:sp>
+    <dsp:sp modelId="{5D1381A1-37BC-4423-8EB1-2D8BB6608E68}">
+      <dsp:nvSpPr>
+        <dsp:cNvPr id="0" name=""/>
+        <dsp:cNvSpPr/>
+      </dsp:nvSpPr>
+      <dsp:spPr>
+        <a:xfrm>
+          <a:off x="10647" y="671947"/>
+          <a:ext cx="2830762" cy="1099134"/>
+        </a:xfrm>
+        <a:prstGeom prst="rect">
+          <a:avLst/>
+        </a:prstGeom>
+        <a:solidFill>
+          <a:schemeClr val="accent1">
+            <a:alpha val="90000"/>
+            <a:tint val="40000"/>
+            <a:hueOff val="0"/>
+            <a:satOff val="0"/>
+            <a:lumOff val="0"/>
+            <a:alphaOff val="0"/>
+          </a:schemeClr>
+        </a:solidFill>
+        <a:ln w="25400" cap="flat" cmpd="sng" algn="ctr">
+          <a:solidFill>
+            <a:schemeClr val="tx1">
+              <a:alpha val="90000"/>
+            </a:schemeClr>
+          </a:solidFill>
+          <a:prstDash val="solid"/>
+        </a:ln>
+        <a:effectLst/>
+      </dsp:spPr>
+      <dsp:style>
+        <a:lnRef idx="2">
+          <a:scrgbClr r="0" g="0" b="0"/>
+        </a:lnRef>
+        <a:fillRef idx="1">
+          <a:scrgbClr r="0" g="0" b="0"/>
+        </a:fillRef>
+        <a:effectRef idx="0">
+          <a:scrgbClr r="0" g="0" b="0"/>
+        </a:effectRef>
+        <a:fontRef idx="minor"/>
+      </dsp:style>
+      <dsp:txBody>
+        <a:bodyPr spcFirstLastPara="0" vert="horz" wrap="square" lIns="106680" tIns="106680" rIns="142240" bIns="160020" numCol="1" spcCol="1270" anchor="t" anchorCtr="0">
+          <a:noAutofit/>
+        </a:bodyPr>
+        <a:lstStyle/>
+        <a:p>
+          <a:pPr marL="228600" lvl="1" indent="-228600" algn="l" defTabSz="889000">
+            <a:lnSpc>
+              <a:spcPct val="90000"/>
+            </a:lnSpc>
+            <a:spcBef>
+              <a:spcPct val="0"/>
+            </a:spcBef>
+            <a:spcAft>
+              <a:spcPct val="15000"/>
+            </a:spcAft>
+            <a:buChar char="••"/>
+          </a:pPr>
+          <a:r>
+            <a:rPr kumimoji="1" lang="ja-JP" altLang="en-US" sz="2000" kern="1200" dirty="0" smtClean="0"/>
+            <a:t>自機の移動</a:t>
+          </a:r>
+          <a:endParaRPr kumimoji="1" lang="ja-JP" altLang="en-US" sz="2000" kern="1200" dirty="0"/>
+        </a:p>
+      </dsp:txBody>
+      <dsp:txXfrm>
+        <a:off x="10647" y="671947"/>
+        <a:ext cx="2830762" cy="1099134"/>
+      </dsp:txXfrm>
+    </dsp:sp>
+    <dsp:sp modelId="{B37A1543-2AA9-4EB5-8860-E8ADD0EC40EE}">
+      <dsp:nvSpPr>
+        <dsp:cNvPr id="0" name=""/>
+        <dsp:cNvSpPr/>
+      </dsp:nvSpPr>
+      <dsp:spPr>
+        <a:xfrm>
+          <a:off x="3237716" y="10728"/>
+          <a:ext cx="3173638" cy="670213"/>
+        </a:xfrm>
+        <a:prstGeom prst="rect">
+          <a:avLst/>
+        </a:prstGeom>
+        <a:solidFill>
+          <a:schemeClr val="accent1">
+            <a:hueOff val="0"/>
+            <a:satOff val="0"/>
+            <a:lumOff val="0"/>
+            <a:alphaOff val="0"/>
+          </a:schemeClr>
+        </a:solidFill>
+        <a:ln w="25400" cap="flat" cmpd="sng" algn="ctr">
+          <a:solidFill>
+            <a:schemeClr val="tx1"/>
+          </a:solidFill>
+          <a:prstDash val="solid"/>
+        </a:ln>
+        <a:effectLst/>
+      </dsp:spPr>
+      <dsp:style>
+        <a:lnRef idx="2">
+          <a:scrgbClr r="0" g="0" b="0"/>
+        </a:lnRef>
+        <a:fillRef idx="1">
+          <a:scrgbClr r="0" g="0" b="0"/>
+        </a:fillRef>
+        <a:effectRef idx="0">
+          <a:scrgbClr r="0" g="0" b="0"/>
+        </a:effectRef>
+        <a:fontRef idx="minor">
+          <a:schemeClr val="lt1"/>
+        </a:fontRef>
+      </dsp:style>
+      <dsp:txBody>
+        <a:bodyPr spcFirstLastPara="0" vert="horz" wrap="square" lIns="199136" tIns="113792" rIns="199136" bIns="113792" numCol="1" spcCol="1270" anchor="ctr" anchorCtr="0">
+          <a:noAutofit/>
+        </a:bodyPr>
+        <a:lstStyle/>
+        <a:p>
+          <a:pPr lvl="0" algn="ctr" defTabSz="1244600">
+            <a:lnSpc>
+              <a:spcPct val="90000"/>
+            </a:lnSpc>
+            <a:spcBef>
+              <a:spcPct val="0"/>
+            </a:spcBef>
+            <a:spcAft>
+              <a:spcPct val="35000"/>
+            </a:spcAft>
+          </a:pPr>
+          <a:r>
+            <a:rPr kumimoji="1" lang="ja-JP" altLang="en-US" sz="2800" b="1" kern="1200" dirty="0" smtClean="0"/>
+            <a:t>②スキルボタン</a:t>
+          </a:r>
+          <a:endParaRPr kumimoji="1" lang="ja-JP" altLang="en-US" sz="2800" b="1" kern="1200" dirty="0"/>
+        </a:p>
+      </dsp:txBody>
+      <dsp:txXfrm>
+        <a:off x="3237716" y="10728"/>
+        <a:ext cx="3173638" cy="670213"/>
+      </dsp:txXfrm>
+    </dsp:sp>
+    <dsp:sp modelId="{D696E469-B4D3-4E8D-BF9C-7B5EAFB6DBD7}">
+      <dsp:nvSpPr>
+        <dsp:cNvPr id="0" name=""/>
+        <dsp:cNvSpPr/>
+      </dsp:nvSpPr>
+      <dsp:spPr>
+        <a:xfrm>
+          <a:off x="3237716" y="686893"/>
+          <a:ext cx="3173638" cy="1075195"/>
+        </a:xfrm>
+        <a:prstGeom prst="rect">
+          <a:avLst/>
+        </a:prstGeom>
+        <a:solidFill>
+          <a:schemeClr val="accent1">
+            <a:alpha val="90000"/>
+            <a:tint val="40000"/>
+            <a:hueOff val="0"/>
+            <a:satOff val="0"/>
+            <a:lumOff val="0"/>
+            <a:alphaOff val="0"/>
+          </a:schemeClr>
+        </a:solidFill>
+        <a:ln w="25400" cap="flat" cmpd="sng" algn="ctr">
+          <a:solidFill>
+            <a:schemeClr val="tx1">
+              <a:alpha val="90000"/>
+            </a:schemeClr>
+          </a:solidFill>
+          <a:prstDash val="solid"/>
+        </a:ln>
+        <a:effectLst/>
+      </dsp:spPr>
+      <dsp:style>
+        <a:lnRef idx="2">
+          <a:scrgbClr r="0" g="0" b="0"/>
+        </a:lnRef>
+        <a:fillRef idx="1">
+          <a:scrgbClr r="0" g="0" b="0"/>
+        </a:fillRef>
+        <a:effectRef idx="0">
+          <a:scrgbClr r="0" g="0" b="0"/>
+        </a:effectRef>
+        <a:fontRef idx="minor"/>
+      </dsp:style>
+      <dsp:txBody>
+        <a:bodyPr spcFirstLastPara="0" vert="horz" wrap="square" lIns="106680" tIns="106680" rIns="142240" bIns="160020" numCol="1" spcCol="1270" anchor="t" anchorCtr="0">
+          <a:noAutofit/>
+        </a:bodyPr>
+        <a:lstStyle/>
+        <a:p>
+          <a:pPr marL="228600" lvl="1" indent="-228600" algn="l" defTabSz="889000">
+            <a:lnSpc>
+              <a:spcPct val="90000"/>
+            </a:lnSpc>
+            <a:spcBef>
+              <a:spcPct val="0"/>
+            </a:spcBef>
+            <a:spcAft>
+              <a:spcPct val="15000"/>
+            </a:spcAft>
+            <a:buChar char="••"/>
+          </a:pPr>
+          <a:r>
+            <a:rPr kumimoji="1" lang="ja-JP" altLang="en-US" sz="2000" kern="1200" dirty="0" smtClean="0"/>
+            <a:t>タッチでスキル発動</a:t>
+          </a:r>
+          <a:endParaRPr kumimoji="1" lang="ja-JP" altLang="en-US" sz="2000" kern="1200" dirty="0"/>
+        </a:p>
+        <a:p>
+          <a:pPr marL="228600" lvl="1" indent="-228600" algn="l" defTabSz="889000">
+            <a:lnSpc>
+              <a:spcPct val="90000"/>
+            </a:lnSpc>
+            <a:spcBef>
+              <a:spcPct val="0"/>
+            </a:spcBef>
+            <a:spcAft>
+              <a:spcPct val="15000"/>
+            </a:spcAft>
+            <a:buChar char="••"/>
+          </a:pPr>
+          <a:r>
+            <a:rPr kumimoji="1" lang="ja-JP" altLang="en-US" sz="2000" kern="1200" dirty="0" smtClean="0"/>
+            <a:t>クールタイム後再発可能</a:t>
+          </a:r>
+          <a:endParaRPr kumimoji="1" lang="ja-JP" altLang="en-US" sz="2000" kern="1200" dirty="0"/>
+        </a:p>
+      </dsp:txBody>
+      <dsp:txXfrm>
+        <a:off x="3237716" y="686893"/>
+        <a:ext cx="3173638" cy="1075195"/>
+      </dsp:txXfrm>
+    </dsp:sp>
+    <dsp:sp modelId="{7BE5BF35-28BB-42CF-9BA1-01D3B6CFA5C8}">
+      <dsp:nvSpPr>
+        <dsp:cNvPr id="0" name=""/>
+        <dsp:cNvSpPr/>
+      </dsp:nvSpPr>
+      <dsp:spPr>
+        <a:xfrm>
+          <a:off x="6807661" y="7752"/>
+          <a:ext cx="2830762" cy="670213"/>
+        </a:xfrm>
+        <a:prstGeom prst="rect">
+          <a:avLst/>
+        </a:prstGeom>
+        <a:solidFill>
+          <a:schemeClr val="accent1">
+            <a:hueOff val="0"/>
+            <a:satOff val="0"/>
+            <a:lumOff val="0"/>
+            <a:alphaOff val="0"/>
+          </a:schemeClr>
+        </a:solidFill>
+        <a:ln w="25400" cap="flat" cmpd="sng" algn="ctr">
+          <a:solidFill>
+            <a:schemeClr val="tx1"/>
+          </a:solidFill>
+          <a:prstDash val="solid"/>
+        </a:ln>
+        <a:effectLst/>
+      </dsp:spPr>
+      <dsp:style>
+        <a:lnRef idx="2">
+          <a:scrgbClr r="0" g="0" b="0"/>
+        </a:lnRef>
+        <a:fillRef idx="1">
+          <a:scrgbClr r="0" g="0" b="0"/>
+        </a:fillRef>
+        <a:effectRef idx="0">
+          <a:scrgbClr r="0" g="0" b="0"/>
+        </a:effectRef>
+        <a:fontRef idx="minor">
+          <a:schemeClr val="lt1"/>
+        </a:fontRef>
+      </dsp:style>
+      <dsp:txBody>
+        <a:bodyPr spcFirstLastPara="0" vert="horz" wrap="square" lIns="199136" tIns="113792" rIns="199136" bIns="113792" numCol="1" spcCol="1270" anchor="ctr" anchorCtr="0">
+          <a:noAutofit/>
+        </a:bodyPr>
+        <a:lstStyle/>
+        <a:p>
+          <a:pPr lvl="0" algn="ctr" defTabSz="1244600">
+            <a:lnSpc>
+              <a:spcPct val="90000"/>
+            </a:lnSpc>
+            <a:spcBef>
+              <a:spcPct val="0"/>
+            </a:spcBef>
+            <a:spcAft>
+              <a:spcPct val="35000"/>
+            </a:spcAft>
+          </a:pPr>
+          <a:r>
+            <a:rPr kumimoji="1" lang="ja-JP" altLang="en-US" sz="2800" b="1" kern="1200" dirty="0" smtClean="0"/>
+            <a:t>③矢印</a:t>
+          </a:r>
+          <a:endParaRPr kumimoji="1" lang="ja-JP" altLang="en-US" sz="2800" b="1" kern="1200" dirty="0"/>
+        </a:p>
+      </dsp:txBody>
+      <dsp:txXfrm>
+        <a:off x="6807661" y="7752"/>
+        <a:ext cx="2830762" cy="670213"/>
+      </dsp:txXfrm>
+    </dsp:sp>
+    <dsp:sp modelId="{EA0B6686-BA98-41A6-B1FA-AC4BC4C909D3}">
+      <dsp:nvSpPr>
+        <dsp:cNvPr id="0" name=""/>
+        <dsp:cNvSpPr/>
+      </dsp:nvSpPr>
+      <dsp:spPr>
+        <a:xfrm>
+          <a:off x="6807661" y="677965"/>
+          <a:ext cx="2830762" cy="1087099"/>
+        </a:xfrm>
+        <a:prstGeom prst="rect">
+          <a:avLst/>
+        </a:prstGeom>
+        <a:solidFill>
+          <a:schemeClr val="accent1">
+            <a:alpha val="90000"/>
+            <a:tint val="40000"/>
+            <a:hueOff val="0"/>
+            <a:satOff val="0"/>
+            <a:lumOff val="0"/>
+            <a:alphaOff val="0"/>
+          </a:schemeClr>
+        </a:solidFill>
+        <a:ln w="25400" cap="flat" cmpd="sng" algn="ctr">
+          <a:solidFill>
+            <a:schemeClr val="tx1">
+              <a:alpha val="90000"/>
+            </a:schemeClr>
+          </a:solidFill>
+          <a:prstDash val="solid"/>
+        </a:ln>
+        <a:effectLst/>
+      </dsp:spPr>
+      <dsp:style>
+        <a:lnRef idx="2">
+          <a:scrgbClr r="0" g="0" b="0"/>
+        </a:lnRef>
+        <a:fillRef idx="1">
+          <a:scrgbClr r="0" g="0" b="0"/>
+        </a:fillRef>
+        <a:effectRef idx="0">
+          <a:scrgbClr r="0" g="0" b="0"/>
+        </a:effectRef>
+        <a:fontRef idx="minor"/>
+      </dsp:style>
+      <dsp:txBody>
+        <a:bodyPr spcFirstLastPara="0" vert="horz" wrap="square" lIns="106680" tIns="106680" rIns="142240" bIns="160020" numCol="1" spcCol="1270" anchor="t" anchorCtr="0">
+          <a:noAutofit/>
+        </a:bodyPr>
+        <a:lstStyle/>
+        <a:p>
+          <a:pPr marL="228600" lvl="1" indent="-228600" algn="l" defTabSz="889000">
+            <a:lnSpc>
+              <a:spcPct val="90000"/>
+            </a:lnSpc>
+            <a:spcBef>
+              <a:spcPct val="0"/>
+            </a:spcBef>
+            <a:spcAft>
+              <a:spcPct val="15000"/>
+            </a:spcAft>
+            <a:buChar char="••"/>
+          </a:pPr>
+          <a:r>
+            <a:rPr kumimoji="1" lang="ja-JP" altLang="en-US" sz="2000" kern="1200" dirty="0" smtClean="0"/>
+            <a:t>ボスの居る方向を示す</a:t>
+          </a:r>
+          <a:endParaRPr kumimoji="1" lang="ja-JP" altLang="en-US" sz="2000" kern="1200" dirty="0"/>
+        </a:p>
+      </dsp:txBody>
+      <dsp:txXfrm>
+        <a:off x="6807661" y="677965"/>
+        <a:ext cx="2830762" cy="1087099"/>
+      </dsp:txXfrm>
+    </dsp:sp>
+  </dsp:spTree>
+</dsp:drawing>
+</file>
+
+<file path=ppt/diagrams/layout1.xml><?xml version="1.0" encoding="utf-8"?>
+<dgm:layoutDef xmlns:dgm="http://schemas.openxmlformats.org/drawingml/2006/diagram" xmlns:a="http://schemas.openxmlformats.org/drawingml/2006/main" uniqueId="urn:microsoft.com/office/officeart/2005/8/layout/hList1">
+  <dgm:title val=""/>
+  <dgm:desc val=""/>
+  <dgm:catLst>
+    <dgm:cat type="list" pri="5000"/>
+    <dgm:cat type="convert" pri="5000"/>
+  </dgm:catLst>
+  <dgm:sampData>
+    <dgm:dataModel>
+      <dgm:ptLst>
+        <dgm:pt modelId="0" type="doc"/>
+        <dgm:pt modelId="1">
+          <dgm:prSet phldr="1"/>
+        </dgm:pt>
+        <dgm:pt modelId="11">
+          <dgm:prSet phldr="1"/>
+        </dgm:pt>
+        <dgm:pt modelId="12">
+          <dgm:prSet phldr="1"/>
+        </dgm:pt>
+        <dgm:pt modelId="2">
+          <dgm:prSet phldr="1"/>
+        </dgm:pt>
+        <dgm:pt modelId="21">
+          <dgm:prSet phldr="1"/>
+        </dgm:pt>
+        <dgm:pt modelId="22">
+          <dgm:prSet phldr="1"/>
+        </dgm:pt>
+        <dgm:pt modelId="3">
+          <dgm:prSet phldr="1"/>
+        </dgm:pt>
+        <dgm:pt modelId="31">
+          <dgm:prSet phldr="1"/>
+        </dgm:pt>
+        <dgm:pt modelId="32">
+          <dgm:prSet phldr="1"/>
+        </dgm:pt>
+      </dgm:ptLst>
+      <dgm:cxnLst>
+        <dgm:cxn modelId="4" srcId="0" destId="1" srcOrd="0" destOrd="0"/>
+        <dgm:cxn modelId="5" srcId="0" destId="2" srcOrd="1" destOrd="0"/>
+        <dgm:cxn modelId="6" srcId="0" destId="3" srcOrd="2" destOrd="0"/>
+        <dgm:cxn modelId="13" srcId="1" destId="11" srcOrd="0" destOrd="0"/>
+        <dgm:cxn modelId="14" srcId="1" destId="12" srcOrd="1" destOrd="0"/>
+        <dgm:cxn modelId="23" srcId="2" destId="21" srcOrd="0" destOrd="0"/>
+        <dgm:cxn modelId="24" srcId="2" destId="22" srcOrd="1" destOrd="0"/>
+        <dgm:cxn modelId="33" srcId="3" destId="31" srcOrd="0" destOrd="0"/>
+        <dgm:cxn modelId="34" srcId="3" destId="32" srcOrd="1" destOrd="0"/>
+      </dgm:cxnLst>
+      <dgm:bg/>
+      <dgm:whole/>
+    </dgm:dataModel>
+  </dgm:sampData>
+  <dgm:styleData>
+    <dgm:dataModel>
+      <dgm:ptLst>
+        <dgm:pt modelId="0" type="doc"/>
+        <dgm:pt modelId="1">
+          <dgm:prSet phldr="1"/>
+        </dgm:pt>
+        <dgm:pt modelId="2">
+          <dgm:prSet phldr="1"/>
+        </dgm:pt>
+      </dgm:ptLst>
+      <dgm:cxnLst>
+        <dgm:cxn modelId="3" srcId="0" destId="1" srcOrd="0" destOrd="0"/>
+        <dgm:cxn modelId="4" srcId="0" destId="2" srcOrd="1" destOrd="0"/>
+      </dgm:cxnLst>
+      <dgm:bg/>
+      <dgm:whole/>
+    </dgm:dataModel>
+  </dgm:styleData>
+  <dgm:clrData>
+    <dgm:dataModel>
+      <dgm:ptLst>
+        <dgm:pt modelId="0" type="doc"/>
+        <dgm:pt modelId="1">
+          <dgm:prSet phldr="1"/>
+        </dgm:pt>
+        <dgm:pt modelId="2">
+          <dgm:prSet phldr="1"/>
+        </dgm:pt>
+        <dgm:pt modelId="3">
+          <dgm:prSet phldr="1"/>
+        </dgm:pt>
+        <dgm:pt modelId="4">
+          <dgm:prSet phldr="1"/>
+        </dgm:pt>
+      </dgm:ptLst>
+      <dgm:cxnLst>
+        <dgm:cxn modelId="5" srcId="0" destId="1" srcOrd="0" destOrd="0"/>
+        <dgm:cxn modelId="6" srcId="0" destId="2" srcOrd="1" destOrd="0"/>
+        <dgm:cxn modelId="7" srcId="0" destId="3" srcOrd="2" destOrd="0"/>
+        <dgm:cxn modelId="8" srcId="0" destId="4" srcOrd="3" destOrd="0"/>
+      </dgm:cxnLst>
+      <dgm:bg/>
+      <dgm:whole/>
+    </dgm:dataModel>
+  </dgm:clrData>
+  <dgm:layoutNode name="Name0">
+    <dgm:varLst>
+      <dgm:dir/>
+      <dgm:animLvl val="lvl"/>
+      <dgm:resizeHandles val="exact"/>
+    </dgm:varLst>
+    <dgm:choose name="Name1">
+      <dgm:if name="Name2" func="var" arg="dir" op="equ" val="norm">
+        <dgm:alg type="lin"/>
+      </dgm:if>
+      <dgm:else name="Name3">
+        <dgm:alg type="lin">
+          <dgm:param type="linDir" val="fromR"/>
+        </dgm:alg>
+      </dgm:else>
+    </dgm:choose>
+    <dgm:shape xmlns:r="http://schemas.openxmlformats.org/officeDocument/2006/relationships" r:blip="">
+      <dgm:adjLst/>
+    </dgm:shape>
+    <dgm:presOf/>
+    <dgm:constrLst>
+      <dgm:constr type="h" for="ch" forName="composite" refType="h"/>
+      <dgm:constr type="w" for="ch" forName="composite" refType="w"/>
+      <dgm:constr type="w" for="des" forName="parTx"/>
+      <dgm:constr type="h" for="des" forName="parTx" op="equ"/>
+      <dgm:constr type="w" for="des" forName="desTx"/>
+      <dgm:constr type="h" for="des" forName="desTx" op="equ"/>
+      <dgm:constr type="primFontSz" for="des" forName="parTx" val="65"/>
+      <dgm:constr type="secFontSz" for="des" forName="desTx" refType="primFontSz" refFor="des" refForName="parTx" op="equ"/>
+      <dgm:constr type="h" for="des" forName="parTx" refType="primFontSz" refFor="des" refForName="parTx" fact="0.8"/>
+      <dgm:constr type="h" for="des" forName="desTx" refType="primFontSz" refFor="des" refForName="parTx" fact="1.22"/>
+      <dgm:constr type="w" for="ch" forName="space" refType="w" refFor="ch" refForName="composite" op="equ" fact="0.14"/>
+    </dgm:constrLst>
+    <dgm:ruleLst>
+      <dgm:rule type="w" for="ch" forName="composite" val="0" fact="NaN" max="NaN"/>
+      <dgm:rule type="primFontSz" for="des" forName="parTx" val="5" fact="NaN" max="NaN"/>
+    </dgm:ruleLst>
+    <dgm:forEach name="Name4" axis="ch" ptType="node">
+      <dgm:layoutNode name="composite">
+        <dgm:alg type="composite"/>
+        <dgm:shape xmlns:r="http://schemas.openxmlformats.org/officeDocument/2006/relationships" r:blip="">
+          <dgm:adjLst/>
+        </dgm:shape>
+        <dgm:presOf/>
+        <dgm:constrLst>
+          <dgm:constr type="l" for="ch" forName="parTx"/>
+          <dgm:constr type="w" for="ch" forName="parTx" refType="w"/>
+          <dgm:constr type="t" for="ch" forName="parTx"/>
+          <dgm:constr type="l" for="ch" forName="desTx"/>
+          <dgm:constr type="w" for="ch" forName="desTx" refType="w" refFor="ch" refForName="parTx"/>
+          <dgm:constr type="t" for="ch" forName="desTx" refType="h" refFor="ch" refForName="parTx"/>
+        </dgm:constrLst>
+        <dgm:ruleLst>
+          <dgm:rule type="h" val="INF" fact="NaN" max="NaN"/>
+        </dgm:ruleLst>
+        <dgm:layoutNode name="parTx" styleLbl="alignNode1">
+          <dgm:varLst>
+            <dgm:chMax val="0"/>
+            <dgm:chPref val="0"/>
+            <dgm:bulletEnabled val="1"/>
+          </dgm:varLst>
+          <dgm:alg type="tx"/>
+          <dgm:shape xmlns:r="http://schemas.openxmlformats.org/officeDocument/2006/relationships" type="rect" r:blip="">
+            <dgm:adjLst/>
+          </dgm:shape>
+          <dgm:presOf axis="self" ptType="node"/>
+          <dgm:constrLst>
+            <dgm:constr type="h" refType="w" op="lte" fact="0.4"/>
+            <dgm:constr type="h"/>
+            <dgm:constr type="tMarg" refType="primFontSz" fact="0.32"/>
+            <dgm:constr type="bMarg" refType="primFontSz" fact="0.32"/>
+          </dgm:constrLst>
+          <dgm:ruleLst>
+            <dgm:rule type="h" val="INF" fact="NaN" max="NaN"/>
+          </dgm:ruleLst>
+        </dgm:layoutNode>
+        <dgm:layoutNode name="desTx" styleLbl="alignAccFollowNode1">
+          <dgm:varLst>
+            <dgm:bulletEnabled val="1"/>
+          </dgm:varLst>
+          <dgm:alg type="tx">
+            <dgm:param type="stBulletLvl" val="1"/>
+          </dgm:alg>
+          <dgm:shape xmlns:r="http://schemas.openxmlformats.org/officeDocument/2006/relationships" type="rect" r:blip="">
+            <dgm:adjLst/>
+          </dgm:shape>
+          <dgm:presOf axis="des" ptType="node"/>
+          <dgm:constrLst>
+            <dgm:constr type="secFontSz" val="65"/>
+            <dgm:constr type="primFontSz" refType="secFontSz"/>
+            <dgm:constr type="h"/>
+            <dgm:constr type="lMarg" refType="primFontSz" fact="0.42"/>
+            <dgm:constr type="tMarg" refType="primFontSz" fact="0.42"/>
+            <dgm:constr type="bMarg" refType="primFontSz" fact="0.63"/>
+          </dgm:constrLst>
+          <dgm:ruleLst>
+            <dgm:rule type="h" val="INF" fact="NaN" max="NaN"/>
+          </dgm:ruleLst>
+        </dgm:layoutNode>
+      </dgm:layoutNode>
+      <dgm:forEach name="Name5" axis="followSib" ptType="sibTrans" cnt="1">
+        <dgm:layoutNode name="space">
+          <dgm:alg type="sp"/>
+          <dgm:shape xmlns:r="http://schemas.openxmlformats.org/officeDocument/2006/relationships" r:blip="">
+            <dgm:adjLst/>
+          </dgm:shape>
+          <dgm:presOf/>
+          <dgm:constrLst/>
+          <dgm:ruleLst/>
+        </dgm:layoutNode>
+      </dgm:forEach>
+    </dgm:forEach>
+  </dgm:layoutNode>
+</dgm:layoutDef>
+</file>
+
+<file path=ppt/diagrams/quickStyle1.xml><?xml version="1.0" encoding="utf-8"?>
+<dgm:styleDef xmlns:dgm="http://schemas.openxmlformats.org/drawingml/2006/diagram" xmlns:a="http://schemas.openxmlformats.org/drawingml/2006/main" uniqueId="urn:microsoft.com/office/officeart/2005/8/quickstyle/simple1">
+  <dgm:title val=""/>
+  <dgm:desc val=""/>
+  <dgm:catLst>
+    <dgm:cat type="simple" pri="10100"/>
+  </dgm:catLst>
+  <dgm:scene3d>
+    <a:camera prst="orthographicFront"/>
+    <a:lightRig rig="threePt" dir="t"/>
+  </dgm:scene3d>
+  <dgm:styleLbl name="node0">
+    <dgm:scene3d>
+      <a:camera prst="orthographicFront"/>
+      <a:lightRig rig="threePt" dir="t"/>
+    </dgm:scene3d>
+    <dgm:sp3d/>
+    <dgm:txPr/>
+    <dgm:style>
+      <a:lnRef idx="2">
+        <a:scrgbClr r="0" g="0" b="0"/>
+      </a:lnRef>
+      <a:fillRef idx="1">
+        <a:scrgbClr r="0" g="0" b="0"/>
+      </a:fillRef>
+      <a:effectRef idx="0">
+        <a:scrgbClr r="0" g="0" b="0"/>
+      </a:effectRef>
+      <a:fontRef idx="minor">
+        <a:schemeClr val="lt1"/>
+      </a:fontRef>
+    </dgm:style>
+  </dgm:styleLbl>
+  <dgm:styleLbl name="lnNode1">
+    <dgm:scene3d>
+      <a:camera prst="orthographicFront"/>
+      <a:lightRig rig="threePt" dir="t"/>
+    </dgm:scene3d>
+    <dgm:sp3d/>
+    <dgm:txPr/>
+    <dgm:style>
+      <a:lnRef idx="2">
+        <a:scrgbClr r="0" g="0" b="0"/>
+      </a:lnRef>
+      <a:fillRef idx="1">
+        <a:scrgbClr r="0" g="0" b="0"/>
+      </a:fillRef>
+      <a:effectRef idx="0">
+        <a:scrgbClr r="0" g="0" b="0"/>
+      </a:effectRef>
+      <a:fontRef idx="minor">
+        <a:schemeClr val="lt1"/>
+      </a:fontRef>
+    </dgm:style>
+  </dgm:styleLbl>
+  <dgm:styleLbl name="vennNode1">
+    <dgm:scene3d>
+      <a:camera prst="orthographicFront"/>
+      <a:lightRig rig="threePt" dir="t"/>
+    </dgm:scene3d>
+    <dgm:sp3d/>
+    <dgm:txPr/>
+    <dgm:style>
+      <a:lnRef idx="2">
+        <a:scrgbClr r="0" g="0" b="0"/>
+      </a:lnRef>
+      <a:fillRef idx="1">
+        <a:scrgbClr r="0" g="0" b="0"/>
+      </a:fillRef>
+      <a:effectRef idx="0">
+        <a:scrgbClr r="0" g="0" b="0"/>
+      </a:effectRef>
+      <a:fontRef idx="minor">
+        <a:schemeClr val="tx1"/>
+      </a:fontRef>
+    </dgm:style>
+  </dgm:styleLbl>
+  <dgm:styleLbl name="alignNode1">
+    <dgm:scene3d>
+      <a:camera prst="orthographicFront"/>
+      <a:lightRig rig="threePt" dir="t"/>
+    </dgm:scene3d>
+    <dgm:sp3d/>
+    <dgm:txPr/>
+    <dgm:style>
+      <a:lnRef idx="2">
+        <a:scrgbClr r="0" g="0" b="0"/>
+      </a:lnRef>
+      <a:fillRef idx="1">
+        <a:scrgbClr r="0" g="0" b="0"/>
+      </a:fillRef>
+      <a:effectRef idx="0">
+        <a:scrgbClr r="0" g="0" b="0"/>
+      </a:effectRef>
+      <a:fontRef idx="minor">
+        <a:schemeClr val="lt1"/>
+      </a:fontRef>
+    </dgm:style>
+  </dgm:styleLbl>
+  <dgm:styleLbl name="node1">
+    <dgm:scene3d>
+      <a:camera prst="orthographicFront"/>
+      <a:lightRig rig="threePt" dir="t"/>
+    </dgm:scene3d>
+    <dgm:sp3d/>
+    <dgm:txPr/>
+    <dgm:style>
+      <a:lnRef idx="2">
+        <a:scrgbClr r="0" g="0" b="0"/>
+      </a:lnRef>
+      <a:fillRef idx="1">
+        <a:scrgbClr r="0" g="0" b="0"/>
+      </a:fillRef>
+      <a:effectRef idx="0">
+        <a:scrgbClr r="0" g="0" b="0"/>
+      </a:effectRef>
+      <a:fontRef idx="minor">
+        <a:schemeClr val="lt1"/>
+      </a:fontRef>
+    </dgm:style>
+  </dgm:styleLbl>
+  <dgm:styleLbl name="node2">
+    <dgm:scene3d>
+      <a:camera prst="orthographicFront"/>
+      <a:lightRig rig="threePt" dir="t"/>
+    </dgm:scene3d>
+    <dgm:sp3d/>
+    <dgm:txPr/>
+    <dgm:style>
+      <a:lnRef idx="2">
+        <a:scrgbClr r="0" g="0" b="0"/>
+      </a:lnRef>
+      <a:fillRef idx="1">
+        <a:scrgbClr r="0" g="0" b="0"/>
+      </a:fillRef>
+      <a:effectRef idx="0">
+        <a:scrgbClr r="0" g="0" b="0"/>
+      </a:effectRef>
+      <a:fontRef idx="minor">
+        <a:schemeClr val="lt1"/>
+      </a:fontRef>
+    </dgm:style>
+  </dgm:styleLbl>
+  <dgm:styleLbl name="node3">
+    <dgm:scene3d>
+      <a:camera prst="orthographicFront"/>
+      <a:lightRig rig="threePt" dir="t"/>
+    </dgm:scene3d>
+    <dgm:sp3d/>
+    <dgm:txPr/>
+    <dgm:style>
+      <a:lnRef idx="2">
+        <a:scrgbClr r="0" g="0" b="0"/>
+      </a:lnRef>
+      <a:fillRef idx="1">
+        <a:scrgbClr r="0" g="0" b="0"/>
+      </a:fillRef>
+      <a:effectRef idx="0">
+        <a:scrgbClr r="0" g="0" b="0"/>
+      </a:effectRef>
+      <a:fontRef idx="minor">
+        <a:schemeClr val="lt1"/>
+      </a:fontRef>
+    </dgm:style>
+  </dgm:styleLbl>
+  <dgm:styleLbl name="node4">
+    <dgm:scene3d>
+      <a:camera prst="orthographicFront"/>
+      <a:lightRig rig="threePt" dir="t"/>
+    </dgm:scene3d>
+    <dgm:sp3d/>
+    <dgm:txPr/>
+    <dgm:style>
+      <a:lnRef idx="2">
+        <a:scrgbClr r="0" g="0" b="0"/>
+      </a:lnRef>
+      <a:fillRef idx="1">
+        <a:scrgbClr r="0" g="0" b="0"/>
+      </a:fillRef>
+      <a:effectRef idx="0">
+        <a:scrgbClr r="0" g="0" b="0"/>
+      </a:effectRef>
+      <a:fontRef idx="minor">
+        <a:schemeClr val="lt1"/>
+      </a:fontRef>
+    </dgm:style>
+  </dgm:styleLbl>
+  <dgm:styleLbl name="fgImgPlace1">
+    <dgm:scene3d>
+      <a:camera prst="orthographicFront"/>
+      <a:lightRig rig="threePt" dir="t"/>
+    </dgm:scene3d>
+    <dgm:sp3d/>
+    <dgm:txPr/>
+    <dgm:style>
+      <a:lnRef idx="2">
+        <a:scrgbClr r="0" g="0" b="0"/>
+      </a:lnRef>
+      <a:fillRef idx="1">
+        <a:scrgbClr r="0" g="0" b="0"/>
+      </a:fillRef>
+      <a:effectRef idx="0">
+        <a:scrgbClr r="0" g="0" b="0"/>
+      </a:effectRef>
+      <a:fontRef idx="minor"/>
+    </dgm:style>
+  </dgm:styleLbl>
+  <dgm:styleLbl name="alignImgPlace1">
+    <dgm:scene3d>
+      <a:camera prst="orthographicFront"/>
+      <a:lightRig rig="threePt" dir="t"/>
+    </dgm:scene3d>
+    <dgm:sp3d/>
+    <dgm:txPr/>
+    <dgm:style>
+      <a:lnRef idx="2">
+        <a:scrgbClr r="0" g="0" b="0"/>
+      </a:lnRef>
+      <a:fillRef idx="1">
+        <a:scrgbClr r="0" g="0" b="0"/>
+      </a:fillRef>
+      <a:effectRef idx="0">
+        <a:scrgbClr r="0" g="0" b="0"/>
+      </a:effectRef>
+      <a:fontRef idx="minor"/>
+    </dgm:style>
+  </dgm:styleLbl>
+  <dgm:styleLbl name="bgImgPlace1">
+    <dgm:scene3d>
+      <a:camera prst="orthographicFront"/>
+      <a:lightRig rig="threePt" dir="t"/>
+    </dgm:scene3d>
+    <dgm:sp3d/>
+    <dgm:txPr/>
+    <dgm:style>
+      <a:lnRef idx="2">
+        <a:scrgbClr r="0" g="0" b="0"/>
+      </a:lnRef>
+      <a:fillRef idx="1">
+        <a:scrgbClr r="0" g="0" b="0"/>
+      </a:fillRef>
+      <a:effectRef idx="0">
+        <a:scrgbClr r="0" g="0" b="0"/>
+      </a:effectRef>
+      <a:fontRef idx="minor"/>
+    </dgm:style>
+  </dgm:styleLbl>
+  <dgm:styleLbl name="sibTrans2D1">
+    <dgm:scene3d>
+      <a:camera prst="orthographicFront"/>
+      <a:lightRig rig="threePt" dir="t"/>
+    </dgm:scene3d>
+    <dgm:sp3d/>
+    <dgm:txPr/>
+    <dgm:style>
+      <a:lnRef idx="0">
+        <a:scrgbClr r="0" g="0" b="0"/>
+      </a:lnRef>
+      <a:fillRef idx="1">
+        <a:scrgbClr r="0" g="0" b="0"/>
+      </a:fillRef>
+      <a:effectRef idx="0">
+        <a:scrgbClr r="0" g="0" b="0"/>
+      </a:effectRef>
+      <a:fontRef idx="minor">
+        <a:schemeClr val="lt1"/>
+      </a:fontRef>
+    </dgm:style>
+  </dgm:styleLbl>
+  <dgm:styleLbl name="fgSibTrans2D1">
+    <dgm:scene3d>
+      <a:camera prst="orthographicFront"/>
+      <a:lightRig rig="threePt" dir="t"/>
+    </dgm:scene3d>
+    <dgm:sp3d/>
+    <dgm:txPr/>
+    <dgm:style>
+      <a:lnRef idx="0">
+        <a:scrgbClr r="0" g="0" b="0"/>
+      </a:lnRef>
+      <a:fillRef idx="1">
+        <a:scrgbClr r="0" g="0" b="0"/>
+      </a:fillRef>
+      <a:effectRef idx="0">
+        <a:scrgbClr r="0" g="0" b="0"/>
+      </a:effectRef>
+      <a:fontRef idx="minor">
+        <a:schemeClr val="lt1"/>
+      </a:fontRef>
+    </dgm:style>
+  </dgm:styleLbl>
+  <dgm:styleLbl name="bgSibTrans2D1">
+    <dgm:scene3d>
+      <a:camera prst="orthographicFront"/>
+      <a:lightRig rig="threePt" dir="t"/>
+    </dgm:scene3d>
+    <dgm:sp3d/>
+    <dgm:txPr/>
+    <dgm:style>
+      <a:lnRef idx="0">
+        <a:scrgbClr r="0" g="0" b="0"/>
+      </a:lnRef>
+      <a:fillRef idx="1">
+        <a:scrgbClr r="0" g="0" b="0"/>
+      </a:fillRef>
+      <a:effectRef idx="0">
+        <a:scrgbClr r="0" g="0" b="0"/>
+      </a:effectRef>
+      <a:fontRef idx="minor">
+        <a:schemeClr val="lt1"/>
+      </a:fontRef>
+    </dgm:style>
+  </dgm:styleLbl>
+  <dgm:styleLbl name="sibTrans1D1">
+    <dgm:scene3d>
+      <a:camera prst="orthographicFront"/>
+      <a:lightRig rig="threePt" dir="t"/>
+    </dgm:scene3d>
+    <dgm:sp3d/>
+    <dgm:txPr/>
+    <dgm:style>
+      <a:lnRef idx="1">
+        <a:scrgbClr r="0" g="0" b="0"/>
+      </a:lnRef>
+      <a:fillRef idx="0">
+        <a:scrgbClr r="0" g="0" b="0"/>
+      </a:fillRef>
+      <a:effectRef idx="0">
+        <a:scrgbClr r="0" g="0" b="0"/>
+      </a:effectRef>
+      <a:fontRef idx="minor"/>
+    </dgm:style>
+  </dgm:styleLbl>
+  <dgm:styleLbl name="callout">
+    <dgm:scene3d>
+      <a:camera prst="orthographicFront"/>
+      <a:lightRig rig="threePt" dir="t"/>
+    </dgm:scene3d>
+    <dgm:sp3d/>
+    <dgm:txPr/>
+    <dgm:style>
+      <a:lnRef idx="2">
+        <a:scrgbClr r="0" g="0" b="0"/>
+      </a:lnRef>
+      <a:fillRef idx="1">
+        <a:scrgbClr r="0" g="0" b="0"/>
+      </a:fillRef>
+      <a:effectRef idx="0">
+        <a:scrgbClr r="0" g="0" b="0"/>
+      </a:effectRef>
+      <a:fontRef idx="minor"/>
+    </dgm:style>
+  </dgm:styleLbl>
+  <dgm:styleLbl name="asst0">
+    <dgm:scene3d>
+      <a:camera prst="orthographicFront"/>
+      <a:lightRig rig="threePt" dir="t"/>
+    </dgm:scene3d>
+    <dgm:sp3d/>
+    <dgm:txPr/>
+    <dgm:style>
+      <a:lnRef idx="2">
+        <a:scrgbClr r="0" g="0" b="0"/>
+      </a:lnRef>
+      <a:fillRef idx="1">
+        <a:scrgbClr r="0" g="0" b="0"/>
+      </a:fillRef>
+      <a:effectRef idx="0">
+        <a:scrgbClr r="0" g="0" b="0"/>
+      </a:effectRef>
+      <a:fontRef idx="minor">
+        <a:schemeClr val="lt1"/>
+      </a:fontRef>
+    </dgm:style>
+  </dgm:styleLbl>
+  <dgm:styleLbl name="asst1">
+    <dgm:scene3d>
+      <a:camera prst="orthographicFront"/>
+      <a:lightRig rig="threePt" dir="t"/>
+    </dgm:scene3d>
+    <dgm:sp3d/>
+    <dgm:txPr/>
+    <dgm:style>
+      <a:lnRef idx="2">
+        <a:scrgbClr r="0" g="0" b="0"/>
+      </a:lnRef>
+      <a:fillRef idx="1">
+        <a:scrgbClr r="0" g="0" b="0"/>
+      </a:fillRef>
+      <a:effectRef idx="0">
+        <a:scrgbClr r="0" g="0" b="0"/>
+      </a:effectRef>
+      <a:fontRef idx="minor">
+        <a:schemeClr val="lt1"/>
+      </a:fontRef>
+    </dgm:style>
+  </dgm:styleLbl>
+  <dgm:styleLbl name="asst2">
+    <dgm:scene3d>
+      <a:camera prst="orthographicFront"/>
+      <a:lightRig rig="threePt" dir="t"/>
+    </dgm:scene3d>
+    <dgm:sp3d/>
+    <dgm:txPr/>
+    <dgm:style>
+      <a:lnRef idx="2">
+        <a:scrgbClr r="0" g="0" b="0"/>
+      </a:lnRef>
+      <a:fillRef idx="1">
+        <a:scrgbClr r="0" g="0" b="0"/>
+      </a:fillRef>
+      <a:effectRef idx="0">
+        <a:scrgbClr r="0" g="0" b="0"/>
+      </a:effectRef>
+      <a:fontRef idx="minor">
+        <a:schemeClr val="lt1"/>
+      </a:fontRef>
+    </dgm:style>
+  </dgm:styleLbl>
+  <dgm:styleLbl name="asst3">
+    <dgm:scene3d>
+      <a:camera prst="orthographicFront"/>
+      <a:lightRig rig="threePt" dir="t"/>
+    </dgm:scene3d>
+    <dgm:sp3d/>
+    <dgm:txPr/>
+    <dgm:style>
+      <a:lnRef idx="2">
+        <a:scrgbClr r="0" g="0" b="0"/>
+      </a:lnRef>
+      <a:fillRef idx="1">
+        <a:scrgbClr r="0" g="0" b="0"/>
+      </a:fillRef>
+      <a:effectRef idx="0">
+        <a:scrgbClr r="0" g="0" b="0"/>
+      </a:effectRef>
+      <a:fontRef idx="minor">
+        <a:schemeClr val="lt1"/>
+      </a:fontRef>
+    </dgm:style>
+  </dgm:styleLbl>
+  <dgm:styleLbl name="asst4">
+    <dgm:scene3d>
+      <a:camera prst="orthographicFront"/>
+      <a:lightRig rig="threePt" dir="t"/>
+    </dgm:scene3d>
+    <dgm:sp3d/>
+    <dgm:txPr/>
+    <dgm:style>
+      <a:lnRef idx="2">
+        <a:scrgbClr r="0" g="0" b="0"/>
+      </a:lnRef>
+      <a:fillRef idx="1">
+        <a:scrgbClr r="0" g="0" b="0"/>
+      </a:fillRef>
+      <a:effectRef idx="0">
+        <a:scrgbClr r="0" g="0" b="0"/>
+      </a:effectRef>
+      <a:fontRef idx="minor">
+        <a:schemeClr val="lt1"/>
+      </a:fontRef>
+    </dgm:style>
+  </dgm:styleLbl>
+  <dgm:styleLbl name="parChTrans2D1">
+    <dgm:scene3d>
+      <a:camera prst="orthographicFront"/>
+      <a:lightRig rig="threePt" dir="t"/>
+    </dgm:scene3d>
+    <dgm:sp3d/>
+    <dgm:txPr/>
+    <dgm:style>
+      <a:lnRef idx="2">
+        <a:scrgbClr r="0" g="0" b="0"/>
+      </a:lnRef>
+      <a:fillRef idx="1">
+        <a:scrgbClr r="0" g="0" b="0"/>
+      </a:fillRef>
+      <a:effectRef idx="0">
+        <a:scrgbClr r="0" g="0" b="0"/>
+      </a:effectRef>
+      <a:fontRef idx="minor">
+        <a:schemeClr val="lt1"/>
+      </a:fontRef>
+    </dgm:style>
+  </dgm:styleLbl>
+  <dgm:styleLbl name="parChTrans2D2">
+    <dgm:scene3d>
+      <a:camera prst="orthographicFront"/>
+      <a:lightRig rig="threePt" dir="t"/>
+    </dgm:scene3d>
+    <dgm:sp3d/>
+    <dgm:txPr/>
+    <dgm:style>
+      <a:lnRef idx="2">
+        <a:scrgbClr r="0" g="0" b="0"/>
+      </a:lnRef>
+      <a:fillRef idx="1">
+        <a:scrgbClr r="0" g="0" b="0"/>
+      </a:fillRef>
+      <a:effectRef idx="0">
+        <a:scrgbClr r="0" g="0" b="0"/>
+      </a:effectRef>
+      <a:fontRef idx="minor">
+        <a:schemeClr val="lt1"/>
+      </a:fontRef>
+    </dgm:style>
+  </dgm:styleLbl>
+  <dgm:styleLbl name="parChTrans2D3">
+    <dgm:scene3d>
+      <a:camera prst="orthographicFront"/>
+      <a:lightRig rig="threePt" dir="t"/>
+    </dgm:scene3d>
+    <dgm:sp3d/>
+    <dgm:txPr/>
+    <dgm:style>
+      <a:lnRef idx="2">
+        <a:scrgbClr r="0" g="0" b="0"/>
+      </a:lnRef>
+      <a:fillRef idx="1">
+        <a:scrgbClr r="0" g="0" b="0"/>
+      </a:fillRef>
+      <a:effectRef idx="0">
+        <a:scrgbClr r="0" g="0" b="0"/>
+      </a:effectRef>
+      <a:fontRef idx="minor">
+        <a:schemeClr val="lt1"/>
+      </a:fontRef>
+    </dgm:style>
+  </dgm:styleLbl>
+  <dgm:styleLbl name="parChTrans2D4">
+    <dgm:scene3d>
+      <a:camera prst="orthographicFront"/>
+      <a:lightRig rig="threePt" dir="t"/>
+    </dgm:scene3d>
+    <dgm:sp3d/>
+    <dgm:txPr/>
+    <dgm:style>
+      <a:lnRef idx="2">
+        <a:scrgbClr r="0" g="0" b="0"/>
+      </a:lnRef>
+      <a:fillRef idx="1">
+        <a:scrgbClr r="0" g="0" b="0"/>
+      </a:fillRef>
+      <a:effectRef idx="0">
+        <a:scrgbClr r="0" g="0" b="0"/>
+      </a:effectRef>
+      <a:fontRef idx="minor">
+        <a:schemeClr val="lt1"/>
+      </a:fontRef>
+    </dgm:style>
+  </dgm:styleLbl>
+  <dgm:styleLbl name="parChTrans1D1">
+    <dgm:scene3d>
+      <a:camera prst="orthographicFront"/>
+      <a:lightRig rig="threePt" dir="t"/>
+    </dgm:scene3d>
+    <dgm:sp3d/>
+    <dgm:txPr/>
+    <dgm:style>
+      <a:lnRef idx="2">
+        <a:scrgbClr r="0" g="0" b="0"/>
+      </a:lnRef>
+      <a:fillRef idx="0">
+        <a:scrgbClr r="0" g="0" b="0"/>
+      </a:fillRef>
+      <a:effectRef idx="0">
+        <a:scrgbClr r="0" g="0" b="0"/>
+      </a:effectRef>
+      <a:fontRef idx="minor"/>
+    </dgm:style>
+  </dgm:styleLbl>
+  <dgm:styleLbl name="parChTrans1D2">
+    <dgm:scene3d>
+      <a:camera prst="orthographicFront"/>
+      <a:lightRig rig="threePt" dir="t"/>
+    </dgm:scene3d>
+    <dgm:sp3d/>
+    <dgm:txPr/>
+    <dgm:style>
+      <a:lnRef idx="2">
+        <a:scrgbClr r="0" g="0" b="0"/>
+      </a:lnRef>
+      <a:fillRef idx="0">
+        <a:scrgbClr r="0" g="0" b="0"/>
+      </a:fillRef>
+      <a:effectRef idx="0">
+        <a:scrgbClr r="0" g="0" b="0"/>
+      </a:effectRef>
+      <a:fontRef idx="minor"/>
+    </dgm:style>
+  </dgm:styleLbl>
+  <dgm:styleLbl name="parChTrans1D3">
+    <dgm:scene3d>
+      <a:camera prst="orthographicFront"/>
+      <a:lightRig rig="threePt" dir="t"/>
+    </dgm:scene3d>
+    <dgm:sp3d/>
+    <dgm:txPr/>
+    <dgm:style>
+      <a:lnRef idx="2">
+        <a:scrgbClr r="0" g="0" b="0"/>
+      </a:lnRef>
+      <a:fillRef idx="0">
+        <a:scrgbClr r="0" g="0" b="0"/>
+      </a:fillRef>
+      <a:effectRef idx="0">
+        <a:scrgbClr r="0" g="0" b="0"/>
+      </a:effectRef>
+      <a:fontRef idx="minor"/>
+    </dgm:style>
+  </dgm:styleLbl>
+  <dgm:styleLbl name="parChTrans1D4">
+    <dgm:scene3d>
+      <a:camera prst="orthographicFront"/>
+      <a:lightRig rig="threePt" dir="t"/>
+    </dgm:scene3d>
+    <dgm:sp3d/>
+    <dgm:txPr/>
+    <dgm:style>
+      <a:lnRef idx="2">
+        <a:scrgbClr r="0" g="0" b="0"/>
+      </a:lnRef>
+      <a:fillRef idx="0">
+        <a:scrgbClr r="0" g="0" b="0"/>
+      </a:fillRef>
+      <a:effectRef idx="0">
+        <a:scrgbClr r="0" g="0" b="0"/>
+      </a:effectRef>
+      <a:fontRef idx="minor"/>
+    </dgm:style>
+  </dgm:styleLbl>
+  <dgm:styleLbl name="fgAcc1">
+    <dgm:scene3d>
+      <a:camera prst="orthographicFront"/>
+      <a:lightRig rig="threePt" dir="t"/>
+    </dgm:scene3d>
+    <dgm:sp3d/>
+    <dgm:txPr/>
+    <dgm:style>
+      <a:lnRef idx="2">
+        <a:scrgbClr r="0" g="0" b="0"/>
+      </a:lnRef>
+      <a:fillRef idx="1">
+        <a:scrgbClr r="0" g="0" b="0"/>
+      </a:fillRef>
+      <a:effectRef idx="0">
+        <a:scrgbClr r="0" g="0" b="0"/>
+      </a:effectRef>
+      <a:fontRef idx="minor"/>
+    </dgm:style>
+  </dgm:styleLbl>
+  <dgm:styleLbl name="conFgAcc1">
+    <dgm:scene3d>
+      <a:camera prst="orthographicFront"/>
+      <a:lightRig rig="threePt" dir="t"/>
+    </dgm:scene3d>
+    <dgm:sp3d/>
+    <dgm:txPr/>
+    <dgm:style>
+      <a:lnRef idx="2">
+        <a:scrgbClr r="0" g="0" b="0"/>
+      </a:lnRef>
+      <a:fillRef idx="1">
+        <a:scrgbClr r="0" g="0" b="0"/>
+      </a:fillRef>
+      <a:effectRef idx="0">
+        <a:scrgbClr r="0" g="0" b="0"/>
+      </a:effectRef>
+      <a:fontRef idx="minor"/>
+    </dgm:style>
+  </dgm:styleLbl>
+  <dgm:styleLbl name="alignAcc1">
+    <dgm:scene3d>
+      <a:camera prst="orthographicFront"/>
+      <a:lightRig rig="threePt" dir="t"/>
+    </dgm:scene3d>
+    <dgm:sp3d/>
+    <dgm:txPr/>
+    <dgm:style>
+      <a:lnRef idx="2">
+        <a:scrgbClr r="0" g="0" b="0"/>
+      </a:lnRef>
+      <a:fillRef idx="1">
+        <a:scrgbClr r="0" g="0" b="0"/>
+      </a:fillRef>
+      <a:effectRef idx="0">
+        <a:scrgbClr r="0" g="0" b="0"/>
+      </a:effectRef>
+      <a:fontRef idx="minor"/>
+    </dgm:style>
+  </dgm:styleLbl>
+  <dgm:styleLbl name="trAlignAcc1">
+    <dgm:scene3d>
+      <a:camera prst="orthographicFront"/>
+      <a:lightRig rig="threePt" dir="t"/>
+    </dgm:scene3d>
+    <dgm:sp3d/>
+    <dgm:txPr/>
+    <dgm:style>
+      <a:lnRef idx="1">
+        <a:scrgbClr r="0" g="0" b="0"/>
+      </a:lnRef>
+      <a:fillRef idx="1">
+        <a:scrgbClr r="0" g="0" b="0"/>
+      </a:fillRef>
+      <a:effectRef idx="0">
+        <a:scrgbClr r="0" g="0" b="0"/>
+      </a:effectRef>
+      <a:fontRef idx="minor"/>
+    </dgm:style>
+  </dgm:styleLbl>
+  <dgm:styleLbl name="bgAcc1">
+    <dgm:scene3d>
+      <a:camera prst="orthographicFront"/>
+      <a:lightRig rig="threePt" dir="t"/>
+    </dgm:scene3d>
+    <dgm:sp3d/>
+    <dgm:txPr/>
+    <dgm:style>
+      <a:lnRef idx="2">
+        <a:scrgbClr r="0" g="0" b="0"/>
+      </a:lnRef>
+      <a:fillRef idx="1">
+        <a:scrgbClr r="0" g="0" b="0"/>
+      </a:fillRef>
+      <a:effectRef idx="0">
+        <a:scrgbClr r="0" g="0" b="0"/>
+      </a:effectRef>
+      <a:fontRef idx="minor"/>
+    </dgm:style>
+  </dgm:styleLbl>
+  <dgm:styleLbl name="solidFgAcc1">
+    <dgm:scene3d>
+      <a:camera prst="orthographicFront"/>
+      <a:lightRig rig="threePt" dir="t"/>
+    </dgm:scene3d>
+    <dgm:sp3d/>
+    <dgm:txPr/>
+    <dgm:style>
+      <a:lnRef idx="2">
+        <a:scrgbClr r="0" g="0" b="0"/>
+      </a:lnRef>
+      <a:fillRef idx="1">
+        <a:scrgbClr r="0" g="0" b="0"/>
+      </a:fillRef>
+      <a:effectRef idx="0">
+        <a:scrgbClr r="0" g="0" b="0"/>
+      </a:effectRef>
+      <a:fontRef idx="minor"/>
+    </dgm:style>
+  </dgm:styleLbl>
+  <dgm:styleLbl name="solidAlignAcc1">
+    <dgm:scene3d>
+      <a:camera prst="orthographicFront"/>
+      <a:lightRig rig="threePt" dir="t"/>
+    </dgm:scene3d>
+    <dgm:sp3d/>
+    <dgm:txPr/>
+    <dgm:style>
+      <a:lnRef idx="2">
+        <a:scrgbClr r="0" g="0" b="0"/>
+      </a:lnRef>
+      <a:fillRef idx="1">
+        <a:scrgbClr r="0" g="0" b="0"/>
+      </a:fillRef>
+      <a:effectRef idx="0">
+        <a:scrgbClr r="0" g="0" b="0"/>
+      </a:effectRef>
+      <a:fontRef idx="minor"/>
+    </dgm:style>
+  </dgm:styleLbl>
+  <dgm:styleLbl name="solidBgAcc1">
+    <dgm:scene3d>
+      <a:camera prst="orthographicFront"/>
+      <a:lightRig rig="threePt" dir="t"/>
+    </dgm:scene3d>
+    <dgm:sp3d/>
+    <dgm:txPr/>
+    <dgm:style>
+      <a:lnRef idx="2">
+        <a:scrgbClr r="0" g="0" b="0"/>
+      </a:lnRef>
+      <a:fillRef idx="1">
+        <a:scrgbClr r="0" g="0" b="0"/>
+      </a:fillRef>
+      <a:effectRef idx="0">
+        <a:scrgbClr r="0" g="0" b="0"/>
+      </a:effectRef>
+      <a:fontRef idx="minor"/>
+    </dgm:style>
+  </dgm:styleLbl>
+  <dgm:styleLbl name="fgAccFollowNode1">
+    <dgm:scene3d>
+      <a:camera prst="orthographicFront"/>
+      <a:lightRig rig="threePt" dir="t"/>
+    </dgm:scene3d>
+    <dgm:sp3d/>
+    <dgm:txPr/>
+    <dgm:style>
+      <a:lnRef idx="2">
+        <a:scrgbClr r="0" g="0" b="0"/>
+      </a:lnRef>
+      <a:fillRef idx="1">
+        <a:scrgbClr r="0" g="0" b="0"/>
+      </a:fillRef>
+      <a:effectRef idx="0">
+        <a:scrgbClr r="0" g="0" b="0"/>
+      </a:effectRef>
+      <a:fontRef idx="minor"/>
+    </dgm:style>
+  </dgm:styleLbl>
+  <dgm:styleLbl name="alignAccFollowNode1">
+    <dgm:scene3d>
+      <a:camera prst="orthographicFront"/>
+      <a:lightRig rig="threePt" dir="t"/>
+    </dgm:scene3d>
+    <dgm:sp3d/>
+    <dgm:txPr/>
+    <dgm:style>
+      <a:lnRef idx="2">
+        <a:scrgbClr r="0" g="0" b="0"/>
+      </a:lnRef>
+      <a:fillRef idx="1">
+        <a:scrgbClr r="0" g="0" b="0"/>
+      </a:fillRef>
+      <a:effectRef idx="0">
+        <a:scrgbClr r="0" g="0" b="0"/>
+      </a:effectRef>
+      <a:fontRef idx="minor"/>
+    </dgm:style>
+  </dgm:styleLbl>
+  <dgm:styleLbl name="bgAccFollowNode1">
+    <dgm:scene3d>
+      <a:camera prst="orthographicFront"/>
+      <a:lightRig rig="threePt" dir="t"/>
+    </dgm:scene3d>
+    <dgm:sp3d/>
+    <dgm:txPr/>
+    <dgm:style>
+      <a:lnRef idx="2">
+        <a:scrgbClr r="0" g="0" b="0"/>
+      </a:lnRef>
+      <a:fillRef idx="1">
+        <a:scrgbClr r="0" g="0" b="0"/>
+      </a:fillRef>
+      <a:effectRef idx="0">
+        <a:scrgbClr r="0" g="0" b="0"/>
+      </a:effectRef>
+      <a:fontRef idx="minor"/>
+    </dgm:style>
+  </dgm:styleLbl>
+  <dgm:styleLbl name="fgAcc0">
+    <dgm:scene3d>
+      <a:camera prst="orthographicFront"/>
+      <a:lightRig rig="threePt" dir="t"/>
+    </dgm:scene3d>
+    <dgm:sp3d/>
+    <dgm:txPr/>
+    <dgm:style>
+      <a:lnRef idx="2">
+        <a:scrgbClr r="0" g="0" b="0"/>
+      </a:lnRef>
+      <a:fillRef idx="1">
+        <a:scrgbClr r="0" g="0" b="0"/>
+      </a:fillRef>
+      <a:effectRef idx="0">
+        <a:scrgbClr r="0" g="0" b="0"/>
+      </a:effectRef>
+      <a:fontRef idx="minor"/>
+    </dgm:style>
+  </dgm:styleLbl>
+  <dgm:styleLbl name="fgAcc2">
+    <dgm:scene3d>
+      <a:camera prst="orthographicFront"/>
+      <a:lightRig rig="threePt" dir="t"/>
+    </dgm:scene3d>
+    <dgm:sp3d/>
+    <dgm:txPr/>
+    <dgm:style>
+      <a:lnRef idx="2">
+        <a:scrgbClr r="0" g="0" b="0"/>
+      </a:lnRef>
+      <a:fillRef idx="1">
+        <a:scrgbClr r="0" g="0" b="0"/>
+      </a:fillRef>
+      <a:effectRef idx="0">
+        <a:scrgbClr r="0" g="0" b="0"/>
+      </a:effectRef>
+      <a:fontRef idx="minor"/>
+    </dgm:style>
+  </dgm:styleLbl>
+  <dgm:styleLbl name="fgAcc3">
+    <dgm:scene3d>
+      <a:camera prst="orthographicFront"/>
+      <a:lightRig rig="threePt" dir="t"/>
+    </dgm:scene3d>
+    <dgm:sp3d/>
+    <dgm:txPr/>
+    <dgm:style>
+      <a:lnRef idx="2">
+        <a:scrgbClr r="0" g="0" b="0"/>
+      </a:lnRef>
+      <a:fillRef idx="1">
+        <a:scrgbClr r="0" g="0" b="0"/>
+      </a:fillRef>
+      <a:effectRef idx="0">
+        <a:scrgbClr r="0" g="0" b="0"/>
+      </a:effectRef>
+      <a:fontRef idx="minor"/>
+    </dgm:style>
+  </dgm:styleLbl>
+  <dgm:styleLbl name="fgAcc4">
+    <dgm:scene3d>
+      <a:camera prst="orthographicFront"/>
+      <a:lightRig rig="threePt" dir="t"/>
+    </dgm:scene3d>
+    <dgm:sp3d/>
+    <dgm:txPr/>
+    <dgm:style>
+      <a:lnRef idx="2">
+        <a:scrgbClr r="0" g="0" b="0"/>
+      </a:lnRef>
+      <a:fillRef idx="1">
+        <a:scrgbClr r="0" g="0" b="0"/>
+      </a:fillRef>
+      <a:effectRef idx="0">
+        <a:scrgbClr r="0" g="0" b="0"/>
+      </a:effectRef>
+      <a:fontRef idx="minor"/>
+    </dgm:style>
+  </dgm:styleLbl>
+  <dgm:styleLbl name="bgShp">
+    <dgm:scene3d>
+      <a:camera prst="orthographicFront"/>
+      <a:lightRig rig="threePt" dir="t"/>
+    </dgm:scene3d>
+    <dgm:sp3d/>
+    <dgm:txPr/>
+    <dgm:style>
+      <a:lnRef idx="0">
+        <a:scrgbClr r="0" g="0" b="0"/>
+      </a:lnRef>
+      <a:fillRef idx="1">
+        <a:scrgbClr r="0" g="0" b="0"/>
+      </a:fillRef>
+      <a:effectRef idx="0">
+        <a:scrgbClr r="0" g="0" b="0"/>
+      </a:effectRef>
+      <a:fontRef idx="minor"/>
+    </dgm:style>
+  </dgm:styleLbl>
+  <dgm:styleLbl name="dkBgShp">
+    <dgm:scene3d>
+      <a:camera prst="orthographicFront"/>
+      <a:lightRig rig="threePt" dir="t"/>
+    </dgm:scene3d>
+    <dgm:sp3d/>
+    <dgm:txPr/>
+    <dgm:style>
+      <a:lnRef idx="0">
+        <a:scrgbClr r="0" g="0" b="0"/>
+      </a:lnRef>
+      <a:fillRef idx="1">
+        <a:scrgbClr r="0" g="0" b="0"/>
+      </a:fillRef>
+      <a:effectRef idx="0">
+        <a:scrgbClr r="0" g="0" b="0"/>
+      </a:effectRef>
+      <a:fontRef idx="minor"/>
+    </dgm:style>
+  </dgm:styleLbl>
+  <dgm:styleLbl name="trBgShp">
+    <dgm:scene3d>
+      <a:camera prst="orthographicFront"/>
+      <a:lightRig rig="threePt" dir="t"/>
+    </dgm:scene3d>
+    <dgm:sp3d/>
+    <dgm:txPr/>
+    <dgm:style>
+      <a:lnRef idx="0">
+        <a:scrgbClr r="0" g="0" b="0"/>
+      </a:lnRef>
+      <a:fillRef idx="1">
+        <a:scrgbClr r="0" g="0" b="0"/>
+      </a:fillRef>
+      <a:effectRef idx="0">
+        <a:scrgbClr r="0" g="0" b="0"/>
+      </a:effectRef>
+      <a:fontRef idx="minor"/>
+    </dgm:style>
+  </dgm:styleLbl>
+  <dgm:styleLbl name="fgShp">
+    <dgm:scene3d>
+      <a:camera prst="orthographicFront"/>
+      <a:lightRig rig="threePt" dir="t"/>
+    </dgm:scene3d>
+    <dgm:sp3d/>
+    <dgm:txPr/>
+    <dgm:style>
+      <a:lnRef idx="2">
+        <a:scrgbClr r="0" g="0" b="0"/>
+      </a:lnRef>
+      <a:fillRef idx="1">
+        <a:scrgbClr r="0" g="0" b="0"/>
+      </a:fillRef>
+      <a:effectRef idx="0">
+        <a:scrgbClr r="0" g="0" b="0"/>
+      </a:effectRef>
+      <a:fontRef idx="minor"/>
+    </dgm:style>
+  </dgm:styleLbl>
+  <dgm:styleLbl name="revTx">
+    <dgm:scene3d>
+      <a:camera prst="orthographicFront"/>
+      <a:lightRig rig="threePt" dir="t"/>
+    </dgm:scene3d>
+    <dgm:sp3d/>
+    <dgm:txPr/>
+    <dgm:style>
+      <a:lnRef idx="0">
+        <a:scrgbClr r="0" g="0" b="0"/>
+      </a:lnRef>
+      <a:fillRef idx="0">
+        <a:scrgbClr r="0" g="0" b="0"/>
+      </a:fillRef>
+      <a:effectRef idx="0">
+        <a:scrgbClr r="0" g="0" b="0"/>
+      </a:effectRef>
+      <a:fontRef idx="minor"/>
+    </dgm:style>
+  </dgm:styleLbl>
+</dgm:styleDef>
 </file>
 
 <file path=ppt/slideLayouts/slideLayout1.xml><?xml version="1.0" encoding="utf-8"?>
@@ -288,7 +3253,7 @@
           <a:p>
             <a:fld id="{52CB16DE-4144-4CD2-832B-4C6581132D8F}" type="datetimeFigureOut">
               <a:rPr kumimoji="1" lang="ja-JP" altLang="en-US" smtClean="0"/>
-              <a:t>2015/1/23</a:t>
+              <a:t>2015/1/27</a:t>
             </a:fld>
             <a:endParaRPr kumimoji="1" lang="ja-JP" altLang="en-US"/>
           </a:p>
@@ -490,7 +3455,7 @@
           <a:p>
             <a:fld id="{52CB16DE-4144-4CD2-832B-4C6581132D8F}" type="datetimeFigureOut">
               <a:rPr kumimoji="1" lang="ja-JP" altLang="en-US" smtClean="0"/>
-              <a:t>2015/1/23</a:t>
+              <a:t>2015/1/27</a:t>
             </a:fld>
             <a:endParaRPr kumimoji="1" lang="ja-JP" altLang="en-US"/>
           </a:p>
@@ -702,7 +3667,7 @@
           <a:p>
             <a:fld id="{52CB16DE-4144-4CD2-832B-4C6581132D8F}" type="datetimeFigureOut">
               <a:rPr kumimoji="1" lang="ja-JP" altLang="en-US" smtClean="0"/>
-              <a:t>2015/1/23</a:t>
+              <a:t>2015/1/27</a:t>
             </a:fld>
             <a:endParaRPr kumimoji="1" lang="ja-JP" altLang="en-US"/>
           </a:p>
@@ -904,7 +3869,7 @@
           <a:p>
             <a:fld id="{52CB16DE-4144-4CD2-832B-4C6581132D8F}" type="datetimeFigureOut">
               <a:rPr kumimoji="1" lang="ja-JP" altLang="en-US" smtClean="0"/>
-              <a:t>2015/1/23</a:t>
+              <a:t>2015/1/27</a:t>
             </a:fld>
             <a:endParaRPr kumimoji="1" lang="ja-JP" altLang="en-US"/>
           </a:p>
@@ -1150,7 +4115,7 @@
           <a:p>
             <a:fld id="{52CB16DE-4144-4CD2-832B-4C6581132D8F}" type="datetimeFigureOut">
               <a:rPr kumimoji="1" lang="ja-JP" altLang="en-US" smtClean="0"/>
-              <a:t>2015/1/23</a:t>
+              <a:t>2015/1/27</a:t>
             </a:fld>
             <a:endParaRPr kumimoji="1" lang="ja-JP" altLang="en-US"/>
           </a:p>
@@ -1502,7 +4467,7 @@
           <a:p>
             <a:fld id="{52CB16DE-4144-4CD2-832B-4C6581132D8F}" type="datetimeFigureOut">
               <a:rPr kumimoji="1" lang="ja-JP" altLang="en-US" smtClean="0"/>
-              <a:t>2015/1/23</a:t>
+              <a:t>2015/1/27</a:t>
             </a:fld>
             <a:endParaRPr kumimoji="1" lang="ja-JP" altLang="en-US"/>
           </a:p>
@@ -1988,7 +4953,7 @@
           <a:p>
             <a:fld id="{52CB16DE-4144-4CD2-832B-4C6581132D8F}" type="datetimeFigureOut">
               <a:rPr kumimoji="1" lang="ja-JP" altLang="en-US" smtClean="0"/>
-              <a:t>2015/1/23</a:t>
+              <a:t>2015/1/27</a:t>
             </a:fld>
             <a:endParaRPr kumimoji="1" lang="ja-JP" altLang="en-US"/>
           </a:p>
@@ -2106,7 +5071,7 @@
           <a:p>
             <a:fld id="{52CB16DE-4144-4CD2-832B-4C6581132D8F}" type="datetimeFigureOut">
               <a:rPr kumimoji="1" lang="ja-JP" altLang="en-US" smtClean="0"/>
-              <a:t>2015/1/23</a:t>
+              <a:t>2015/1/27</a:t>
             </a:fld>
             <a:endParaRPr kumimoji="1" lang="ja-JP" altLang="en-US"/>
           </a:p>
@@ -2201,7 +5166,7 @@
           <a:p>
             <a:fld id="{52CB16DE-4144-4CD2-832B-4C6581132D8F}" type="datetimeFigureOut">
               <a:rPr kumimoji="1" lang="ja-JP" altLang="en-US" smtClean="0"/>
-              <a:t>2015/1/23</a:t>
+              <a:t>2015/1/27</a:t>
             </a:fld>
             <a:endParaRPr kumimoji="1" lang="ja-JP" altLang="en-US"/>
           </a:p>
@@ -2510,7 +5475,7 @@
           <a:p>
             <a:fld id="{52CB16DE-4144-4CD2-832B-4C6581132D8F}" type="datetimeFigureOut">
               <a:rPr kumimoji="1" lang="ja-JP" altLang="en-US" smtClean="0"/>
-              <a:t>2015/1/23</a:t>
+              <a:t>2015/1/27</a:t>
             </a:fld>
             <a:endParaRPr kumimoji="1" lang="ja-JP" altLang="en-US"/>
           </a:p>
@@ -2763,7 +5728,7 @@
           <a:p>
             <a:fld id="{52CB16DE-4144-4CD2-832B-4C6581132D8F}" type="datetimeFigureOut">
               <a:rPr kumimoji="1" lang="ja-JP" altLang="en-US" smtClean="0"/>
-              <a:t>2015/1/23</a:t>
+              <a:t>2015/1/27</a:t>
             </a:fld>
             <a:endParaRPr kumimoji="1" lang="ja-JP" altLang="en-US"/>
           </a:p>
@@ -3008,7 +5973,7 @@
           <a:p>
             <a:fld id="{52CB16DE-4144-4CD2-832B-4C6581132D8F}" type="datetimeFigureOut">
               <a:rPr kumimoji="1" lang="ja-JP" altLang="en-US" smtClean="0"/>
-              <a:t>2015/1/23</a:t>
+              <a:t>2015/1/27</a:t>
             </a:fld>
             <a:endParaRPr kumimoji="1" lang="ja-JP" altLang="en-US"/>
           </a:p>
@@ -3383,16 +6348,497 @@
           <a:chExt cx="0" cy="0"/>
         </a:xfrm>
       </p:grpSpPr>
+      <p:sp>
+        <p:nvSpPr>
+          <p:cNvPr id="2" name="正方形/長方形 1"/>
+          <p:cNvSpPr/>
+          <p:nvPr/>
+        </p:nvSpPr>
+        <p:spPr>
+          <a:xfrm>
+            <a:off x="0" y="0"/>
+            <a:ext cx="9906000" cy="6858000"/>
+          </a:xfrm>
+          <a:prstGeom prst="rect">
+            <a:avLst/>
+          </a:prstGeom>
+          <a:solidFill>
+            <a:schemeClr val="tx1">
+              <a:lumMod val="65000"/>
+              <a:lumOff val="35000"/>
+            </a:schemeClr>
+          </a:solidFill>
+          <a:ln>
+            <a:solidFill>
+              <a:schemeClr val="tx1"/>
+            </a:solidFill>
+          </a:ln>
+        </p:spPr>
+        <p:style>
+          <a:lnRef idx="2">
+            <a:schemeClr val="accent1">
+              <a:shade val="50000"/>
+            </a:schemeClr>
+          </a:lnRef>
+          <a:fillRef idx="1">
+            <a:schemeClr val="accent1"/>
+          </a:fillRef>
+          <a:effectRef idx="0">
+            <a:schemeClr val="accent1"/>
+          </a:effectRef>
+          <a:fontRef idx="minor">
+            <a:schemeClr val="lt1"/>
+          </a:fontRef>
+        </p:style>
+        <p:txBody>
+          <a:bodyPr rtlCol="0" anchor="ctr"/>
+          <a:lstStyle/>
+          <a:p>
+            <a:pPr algn="ctr"/>
+            <a:endParaRPr kumimoji="1" lang="ja-JP" altLang="en-US"/>
+          </a:p>
+        </p:txBody>
+      </p:sp>
+      <p:graphicFrame>
+        <p:nvGraphicFramePr>
+          <p:cNvPr id="16" name="図表 15"/>
+          <p:cNvGraphicFramePr/>
+          <p:nvPr>
+            <p:extLst>
+              <p:ext uri="{D42A27DB-BD31-4B8C-83A1-F6EECF244321}">
+                <p14:modId xmlns:p14="http://schemas.microsoft.com/office/powerpoint/2010/main" val="1024590221"/>
+              </p:ext>
+            </p:extLst>
+          </p:nvPr>
+        </p:nvGraphicFramePr>
+        <p:xfrm>
+          <a:off x="56456" y="5085183"/>
+          <a:ext cx="9649072" cy="1772817"/>
+        </p:xfrm>
+        <a:graphic>
+          <a:graphicData uri="http://schemas.openxmlformats.org/drawingml/2006/diagram">
+            <dgm:relIds xmlns:dgm="http://schemas.openxmlformats.org/drawingml/2006/diagram" xmlns:r="http://schemas.openxmlformats.org/officeDocument/2006/relationships" r:dm="rId2" r:lo="rId3" r:qs="rId4" r:cs="rId5"/>
+          </a:graphicData>
+        </a:graphic>
+      </p:graphicFrame>
+      <p:grpSp>
+        <p:nvGrpSpPr>
+          <p:cNvPr id="18" name="グループ化 17"/>
+          <p:cNvGrpSpPr/>
+          <p:nvPr/>
+        </p:nvGrpSpPr>
+        <p:grpSpPr>
+          <a:xfrm>
+            <a:off x="1102132" y="1168786"/>
+            <a:ext cx="7560840" cy="3873809"/>
+            <a:chOff x="1397987" y="1"/>
+            <a:chExt cx="7068937" cy="5468112"/>
+          </a:xfrm>
+        </p:grpSpPr>
+        <p:pic>
+          <p:nvPicPr>
+            <p:cNvPr id="3" name="Picture 4" descr="C:\Users\Yusuke\Desktop\hp.jpg"/>
+            <p:cNvPicPr>
+              <a:picLocks noChangeAspect="1" noChangeArrowheads="1"/>
+            </p:cNvPicPr>
+            <p:nvPr/>
+          </p:nvPicPr>
+          <p:blipFill>
+            <a:blip r:embed="rId7" cstate="print">
+              <a:extLst>
+                <a:ext uri="{28A0092B-C50C-407E-A947-70E740481C1C}">
+                  <a14:useLocalDpi xmlns:a14="http://schemas.microsoft.com/office/drawing/2010/main" val="0"/>
+                </a:ext>
+              </a:extLst>
+            </a:blip>
+            <a:srcRect/>
+            <a:stretch>
+              <a:fillRect/>
+            </a:stretch>
+          </p:blipFill>
+          <p:spPr bwMode="auto">
+            <a:xfrm>
+              <a:off x="1397987" y="1"/>
+              <a:ext cx="7068937" cy="5468112"/>
+            </a:xfrm>
+            <a:prstGeom prst="rect">
+              <a:avLst/>
+            </a:prstGeom>
+            <a:noFill/>
+            <a:extLst>
+              <a:ext uri="{909E8E84-426E-40DD-AFC4-6F175D3DCCD1}">
+                <a14:hiddenFill xmlns:a14="http://schemas.microsoft.com/office/drawing/2010/main">
+                  <a:solidFill>
+                    <a:srgbClr val="FFFFFF"/>
+                  </a:solidFill>
+                </a14:hiddenFill>
+              </a:ext>
+            </a:extLst>
+          </p:spPr>
+        </p:pic>
+        <p:sp>
+          <p:nvSpPr>
+            <p:cNvPr id="4" name="正方形/長方形 3"/>
+            <p:cNvSpPr/>
+            <p:nvPr/>
+          </p:nvSpPr>
+          <p:spPr>
+            <a:xfrm>
+              <a:off x="7569425" y="279335"/>
+              <a:ext cx="802386" cy="3980688"/>
+            </a:xfrm>
+            <a:prstGeom prst="rect">
+              <a:avLst/>
+            </a:prstGeom>
+            <a:noFill/>
+            <a:ln w="34925">
+              <a:solidFill>
+                <a:srgbClr val="FF0000"/>
+              </a:solidFill>
+            </a:ln>
+          </p:spPr>
+          <p:style>
+            <a:lnRef idx="2">
+              <a:schemeClr val="accent1">
+                <a:shade val="50000"/>
+              </a:schemeClr>
+            </a:lnRef>
+            <a:fillRef idx="1">
+              <a:schemeClr val="accent1"/>
+            </a:fillRef>
+            <a:effectRef idx="0">
+              <a:schemeClr val="accent1"/>
+            </a:effectRef>
+            <a:fontRef idx="minor">
+              <a:schemeClr val="lt1"/>
+            </a:fontRef>
+          </p:style>
+          <p:txBody>
+            <a:bodyPr rtlCol="0" anchor="ctr"/>
+            <a:lstStyle/>
+            <a:p>
+              <a:pPr algn="ctr"/>
+              <a:endParaRPr kumimoji="1" lang="ja-JP" altLang="en-US">
+                <a:solidFill>
+                  <a:srgbClr val="002060"/>
+                </a:solidFill>
+              </a:endParaRPr>
+            </a:p>
+          </p:txBody>
+        </p:sp>
+        <p:sp>
+          <p:nvSpPr>
+            <p:cNvPr id="6" name="正方形/長方形 5"/>
+            <p:cNvSpPr/>
+            <p:nvPr/>
+          </p:nvSpPr>
+          <p:spPr>
+            <a:xfrm>
+              <a:off x="1477235" y="4162488"/>
+              <a:ext cx="1089660" cy="1195897"/>
+            </a:xfrm>
+            <a:prstGeom prst="rect">
+              <a:avLst/>
+            </a:prstGeom>
+            <a:noFill/>
+            <a:ln w="34925">
+              <a:solidFill>
+                <a:srgbClr val="FF0000"/>
+              </a:solidFill>
+            </a:ln>
+          </p:spPr>
+          <p:style>
+            <a:lnRef idx="2">
+              <a:schemeClr val="accent1">
+                <a:shade val="50000"/>
+              </a:schemeClr>
+            </a:lnRef>
+            <a:fillRef idx="1">
+              <a:schemeClr val="accent1"/>
+            </a:fillRef>
+            <a:effectRef idx="0">
+              <a:schemeClr val="accent1"/>
+            </a:effectRef>
+            <a:fontRef idx="minor">
+              <a:schemeClr val="lt1"/>
+            </a:fontRef>
+          </p:style>
+          <p:txBody>
+            <a:bodyPr rtlCol="0" anchor="ctr"/>
+            <a:lstStyle/>
+            <a:p>
+              <a:pPr algn="ctr"/>
+              <a:endParaRPr kumimoji="1" lang="ja-JP" altLang="en-US"/>
+            </a:p>
+          </p:txBody>
+        </p:sp>
+        <p:sp>
+          <p:nvSpPr>
+            <p:cNvPr id="8" name="正方形/長方形 7"/>
+            <p:cNvSpPr/>
+            <p:nvPr/>
+          </p:nvSpPr>
+          <p:spPr>
+            <a:xfrm>
+              <a:off x="3250409" y="2614104"/>
+              <a:ext cx="1178814" cy="777433"/>
+            </a:xfrm>
+            <a:prstGeom prst="rect">
+              <a:avLst/>
+            </a:prstGeom>
+            <a:noFill/>
+            <a:ln w="34925">
+              <a:solidFill>
+                <a:srgbClr val="FF0000"/>
+              </a:solidFill>
+            </a:ln>
+          </p:spPr>
+          <p:style>
+            <a:lnRef idx="2">
+              <a:schemeClr val="accent1">
+                <a:shade val="50000"/>
+              </a:schemeClr>
+            </a:lnRef>
+            <a:fillRef idx="1">
+              <a:schemeClr val="accent1"/>
+            </a:fillRef>
+            <a:effectRef idx="0">
+              <a:schemeClr val="accent1"/>
+            </a:effectRef>
+            <a:fontRef idx="minor">
+              <a:schemeClr val="lt1"/>
+            </a:fontRef>
+          </p:style>
+          <p:txBody>
+            <a:bodyPr rtlCol="0" anchor="ctr"/>
+            <a:lstStyle/>
+            <a:p>
+              <a:pPr algn="ctr"/>
+              <a:endParaRPr kumimoji="1" lang="ja-JP" altLang="en-US">
+                <a:solidFill>
+                  <a:srgbClr val="002060"/>
+                </a:solidFill>
+              </a:endParaRPr>
+            </a:p>
+          </p:txBody>
+        </p:sp>
+        <p:sp>
+          <p:nvSpPr>
+            <p:cNvPr id="9" name="テキスト ボックス 8"/>
+            <p:cNvSpPr txBox="1"/>
+            <p:nvPr/>
+          </p:nvSpPr>
+          <p:spPr>
+            <a:xfrm>
+              <a:off x="2198547" y="3624430"/>
+              <a:ext cx="822198" cy="1096359"/>
+            </a:xfrm>
+            <a:prstGeom prst="rect">
+              <a:avLst/>
+            </a:prstGeom>
+            <a:noFill/>
+          </p:spPr>
+          <p:txBody>
+            <a:bodyPr wrap="square" rtlCol="0">
+              <a:spAutoFit/>
+            </a:bodyPr>
+            <a:lstStyle/>
+            <a:p>
+              <a:r>
+                <a:rPr kumimoji="1" lang="ja-JP" altLang="en-US" sz="6000" b="1" dirty="0" smtClean="0">
+                  <a:solidFill>
+                    <a:srgbClr val="FFFF00"/>
+                  </a:solidFill>
+                </a:rPr>
+                <a:t>①</a:t>
+              </a:r>
+              <a:endParaRPr kumimoji="1" lang="ja-JP" altLang="en-US" sz="6000" b="1" dirty="0">
+                <a:solidFill>
+                  <a:srgbClr val="FFFF00"/>
+                </a:solidFill>
+              </a:endParaRPr>
+            </a:p>
+          </p:txBody>
+        </p:sp>
+        <p:sp>
+          <p:nvSpPr>
+            <p:cNvPr id="10" name="テキスト ボックス 9"/>
+            <p:cNvSpPr txBox="1"/>
+            <p:nvPr/>
+          </p:nvSpPr>
+          <p:spPr>
+            <a:xfrm>
+              <a:off x="6926989" y="4079358"/>
+              <a:ext cx="822198" cy="1096359"/>
+            </a:xfrm>
+            <a:prstGeom prst="rect">
+              <a:avLst/>
+            </a:prstGeom>
+            <a:noFill/>
+            <a:ln>
+              <a:noFill/>
+            </a:ln>
+          </p:spPr>
+          <p:txBody>
+            <a:bodyPr wrap="square" rtlCol="0">
+              <a:spAutoFit/>
+            </a:bodyPr>
+            <a:lstStyle/>
+            <a:p>
+              <a:r>
+                <a:rPr kumimoji="1" lang="ja-JP" altLang="en-US" sz="6000" b="1" dirty="0" smtClean="0">
+                  <a:solidFill>
+                    <a:srgbClr val="FFFF00"/>
+                  </a:solidFill>
+                </a:rPr>
+                <a:t>②</a:t>
+              </a:r>
+              <a:endParaRPr kumimoji="1" lang="ja-JP" altLang="en-US" sz="6000" b="1" dirty="0">
+                <a:solidFill>
+                  <a:srgbClr val="FFFF00"/>
+                </a:solidFill>
+              </a:endParaRPr>
+            </a:p>
+          </p:txBody>
+        </p:sp>
+        <p:sp>
+          <p:nvSpPr>
+            <p:cNvPr id="11" name="テキスト ボックス 10"/>
+            <p:cNvSpPr txBox="1"/>
+            <p:nvPr/>
+          </p:nvSpPr>
+          <p:spPr>
+            <a:xfrm>
+              <a:off x="4295492" y="3146313"/>
+              <a:ext cx="822198" cy="1096359"/>
+            </a:xfrm>
+            <a:prstGeom prst="rect">
+              <a:avLst/>
+            </a:prstGeom>
+            <a:noFill/>
+          </p:spPr>
+          <p:txBody>
+            <a:bodyPr wrap="square" rtlCol="0">
+              <a:spAutoFit/>
+            </a:bodyPr>
+            <a:lstStyle/>
+            <a:p>
+              <a:r>
+                <a:rPr kumimoji="1" lang="ja-JP" altLang="en-US" sz="6000" b="1" dirty="0" smtClean="0">
+                  <a:solidFill>
+                    <a:srgbClr val="FFFF00"/>
+                  </a:solidFill>
+                </a:rPr>
+                <a:t>③</a:t>
+              </a:r>
+              <a:endParaRPr kumimoji="1" lang="ja-JP" altLang="en-US" sz="6000" b="1" dirty="0">
+                <a:solidFill>
+                  <a:srgbClr val="FFFF00"/>
+                </a:solidFill>
+              </a:endParaRPr>
+            </a:p>
+          </p:txBody>
+        </p:sp>
+      </p:grpSp>
+      <p:pic>
+        <p:nvPicPr>
+          <p:cNvPr id="1026" name="Picture 2" descr="C:\Users\Yusuke\Desktop\teamrogo.png"/>
+          <p:cNvPicPr>
+            <a:picLocks noChangeAspect="1" noChangeArrowheads="1"/>
+          </p:cNvPicPr>
+          <p:nvPr/>
+        </p:nvPicPr>
+        <p:blipFill>
+          <a:blip r:embed="rId8" cstate="print">
+            <a:extLst>
+              <a:ext uri="{28A0092B-C50C-407E-A947-70E740481C1C}">
+                <a14:useLocalDpi xmlns:a14="http://schemas.microsoft.com/office/drawing/2010/main" val="0"/>
+              </a:ext>
+            </a:extLst>
+          </a:blip>
+          <a:srcRect/>
+          <a:stretch>
+            <a:fillRect/>
+          </a:stretch>
+        </p:blipFill>
+        <p:spPr bwMode="auto">
+          <a:xfrm>
+            <a:off x="6609184" y="-207251"/>
+            <a:ext cx="3606085" cy="1803336"/>
+          </a:xfrm>
+          <a:prstGeom prst="rect">
+            <a:avLst/>
+          </a:prstGeom>
+          <a:noFill/>
+          <a:extLst>
+            <a:ext uri="{909E8E84-426E-40DD-AFC4-6F175D3DCCD1}">
+              <a14:hiddenFill xmlns:a14="http://schemas.microsoft.com/office/drawing/2010/main">
+                <a:solidFill>
+                  <a:srgbClr val="FFFFFF"/>
+                </a:solidFill>
+              </a14:hiddenFill>
+            </a:ext>
+          </a:extLst>
+        </p:spPr>
+      </p:pic>
+      <p:pic>
+        <p:nvPicPr>
+          <p:cNvPr id="1027" name="Picture 3" descr="C:\Users\Yusuke\Desktop\title.png"/>
+          <p:cNvPicPr>
+            <a:picLocks noChangeAspect="1" noChangeArrowheads="1"/>
+          </p:cNvPicPr>
+          <p:nvPr/>
+        </p:nvPicPr>
+        <p:blipFill>
+          <a:blip r:embed="rId9">
+            <a:extLst>
+              <a:ext uri="{28A0092B-C50C-407E-A947-70E740481C1C}">
+                <a14:useLocalDpi xmlns:a14="http://schemas.microsoft.com/office/drawing/2010/main" val="0"/>
+              </a:ext>
+            </a:extLst>
+          </a:blip>
+          <a:srcRect/>
+          <a:stretch>
+            <a:fillRect/>
+          </a:stretch>
+        </p:blipFill>
+        <p:spPr bwMode="auto">
+          <a:xfrm>
+            <a:off x="1186895" y="-1612669"/>
+            <a:ext cx="5828983" cy="3551309"/>
+          </a:xfrm>
+          <a:prstGeom prst="rect">
+            <a:avLst/>
+          </a:prstGeom>
+          <a:noFill/>
+          <a:extLst>
+            <a:ext uri="{909E8E84-426E-40DD-AFC4-6F175D3DCCD1}">
+              <a14:hiddenFill xmlns:a14="http://schemas.microsoft.com/office/drawing/2010/main">
+                <a:solidFill>
+                  <a:srgbClr val="FFFFFF"/>
+                </a:solidFill>
+              </a14:hiddenFill>
+            </a:ext>
+          </a:extLst>
+        </p:spPr>
+      </p:pic>
     </p:spTree>
     <p:extLst>
       <p:ext uri="{BB962C8B-B14F-4D97-AF65-F5344CB8AC3E}">
-        <p14:creationId xmlns:p14="http://schemas.microsoft.com/office/powerpoint/2010/main" val="3653212907"/>
+        <p14:creationId xmlns:p14="http://schemas.microsoft.com/office/powerpoint/2010/main" val="2397276434"/>
       </p:ext>
     </p:extLst>
   </p:cSld>
   <p:clrMapOvr>
     <a:masterClrMapping/>
   </p:clrMapOvr>
+  <p:timing>
+    <p:tnLst>
+      <p:par>
+        <p:cTn id="1" dur="indefinite" restart="never" nodeType="tmRoot"/>
+      </p:par>
+    </p:tnLst>
+  </p:timing>
 </p:sld>
 </file>
 
